--- a/Pair Project Presentation.pptx
+++ b/Pair Project Presentation.pptx
@@ -18619,18 +18619,36 @@
           </a:prstGeom>
         </p:spPr>
         <p:txBody>
-          <a:bodyPr lIns="0" rIns="0" tIns="0" bIns="0" anchor="ctr"/>
+          <a:bodyPr lIns="0" rIns="0" tIns="0" bIns="0"/>
           <a:p>
             <a:r>
-              <a:rPr b="0" lang="en-US" sz="1400" spc="-1" strike="noStrike">
+              <a:rPr b="0" lang="en-US" sz="6000" spc="-1" strike="noStrike">
                 <a:solidFill>
                   <a:srgbClr val="000000"/>
                 </a:solidFill>
                 <a:latin typeface="Arial"/>
               </a:rPr>
-              <a:t>Click to edit the title text format</a:t>
+              <a:t>Click to edit </a:t>
             </a:r>
-            <a:endParaRPr b="0" lang="en-US" sz="1400" spc="-1" strike="noStrike">
+            <a:r>
+              <a:rPr b="0" lang="en-US" sz="6000" spc="-1" strike="noStrike">
+                <a:solidFill>
+                  <a:srgbClr val="000000"/>
+                </a:solidFill>
+                <a:latin typeface="Arial"/>
+              </a:rPr>
+              <a:t>the title text </a:t>
+            </a:r>
+            <a:r>
+              <a:rPr b="0" lang="en-US" sz="6000" spc="-1" strike="noStrike">
+                <a:solidFill>
+                  <a:srgbClr val="000000"/>
+                </a:solidFill>
+                <a:latin typeface="Arial"/>
+              </a:rPr>
+              <a:t>format</a:t>
+            </a:r>
+            <a:endParaRPr b="0" lang="en-US" sz="6000" spc="-1" strike="noStrike">
               <a:solidFill>
                 <a:srgbClr val="000000"/>
               </a:solidFill>
@@ -18681,7 +18699,16 @@
                 </a:solidFill>
                 <a:latin typeface="Arial"/>
               </a:rPr>
-              <a:t>Click to edit the outline text format</a:t>
+              <a:t>Click to edit the outline </a:t>
+            </a:r>
+            <a:r>
+              <a:rPr b="0" lang="en-US" sz="1400" spc="-1" strike="noStrike">
+                <a:solidFill>
+                  <a:srgbClr val="000000"/>
+                </a:solidFill>
+                <a:latin typeface="Arial"/>
+              </a:rPr>
+              <a:t>text format</a:t>
             </a:r>
             <a:endParaRPr b="0" lang="en-US" sz="1400" spc="-1" strike="noStrike">
               <a:solidFill>
@@ -18709,7 +18736,16 @@
                 </a:solidFill>
                 <a:latin typeface="Arial"/>
               </a:rPr>
-              <a:t>Second Outline Level</a:t>
+              <a:t>Second Outline </a:t>
+            </a:r>
+            <a:r>
+              <a:rPr b="0" lang="en-US" sz="1400" spc="-1" strike="noStrike">
+                <a:solidFill>
+                  <a:srgbClr val="000000"/>
+                </a:solidFill>
+                <a:latin typeface="Arial"/>
+              </a:rPr>
+              <a:t>Level</a:t>
             </a:r>
             <a:endParaRPr b="0" lang="en-US" sz="1400" spc="-1" strike="noStrike">
               <a:solidFill>
@@ -18737,7 +18773,16 @@
                 </a:solidFill>
                 <a:latin typeface="Arial"/>
               </a:rPr>
-              <a:t>Third Outline Level</a:t>
+              <a:t>Third Outline </a:t>
+            </a:r>
+            <a:r>
+              <a:rPr b="0" lang="en-US" sz="1400" spc="-1" strike="noStrike">
+                <a:solidFill>
+                  <a:srgbClr val="000000"/>
+                </a:solidFill>
+                <a:latin typeface="Arial"/>
+              </a:rPr>
+              <a:t>Level</a:t>
             </a:r>
             <a:endParaRPr b="0" lang="en-US" sz="1400" spc="-1" strike="noStrike">
               <a:solidFill>
@@ -18765,7 +18810,25 @@
                 </a:solidFill>
                 <a:latin typeface="Arial"/>
               </a:rPr>
-              <a:t>Fourth Outline Level</a:t>
+              <a:t>Fourth </a:t>
+            </a:r>
+            <a:r>
+              <a:rPr b="0" lang="en-US" sz="1400" spc="-1" strike="noStrike">
+                <a:solidFill>
+                  <a:srgbClr val="000000"/>
+                </a:solidFill>
+                <a:latin typeface="Arial"/>
+              </a:rPr>
+              <a:t>Outline </a:t>
+            </a:r>
+            <a:r>
+              <a:rPr b="0" lang="en-US" sz="1400" spc="-1" strike="noStrike">
+                <a:solidFill>
+                  <a:srgbClr val="000000"/>
+                </a:solidFill>
+                <a:latin typeface="Arial"/>
+              </a:rPr>
+              <a:t>Level</a:t>
             </a:r>
             <a:endParaRPr b="0" lang="en-US" sz="1400" spc="-1" strike="noStrike">
               <a:solidFill>
@@ -18793,7 +18856,124 @@
                 </a:solidFill>
                 <a:latin typeface="Arial"/>
               </a:rPr>
-              <a:t>Fifth Outline Level</a:t>
+              <a:t>F</a:t>
+            </a:r>
+            <a:r>
+              <a:rPr b="0" lang="en-US" sz="2000" spc="-1" strike="noStrike">
+                <a:solidFill>
+                  <a:srgbClr val="000000"/>
+                </a:solidFill>
+                <a:latin typeface="Arial"/>
+              </a:rPr>
+              <a:t>if</a:t>
+            </a:r>
+            <a:r>
+              <a:rPr b="0" lang="en-US" sz="2000" spc="-1" strike="noStrike">
+                <a:solidFill>
+                  <a:srgbClr val="000000"/>
+                </a:solidFill>
+                <a:latin typeface="Arial"/>
+              </a:rPr>
+              <a:t>t</a:t>
+            </a:r>
+            <a:r>
+              <a:rPr b="0" lang="en-US" sz="2000" spc="-1" strike="noStrike">
+                <a:solidFill>
+                  <a:srgbClr val="000000"/>
+                </a:solidFill>
+                <a:latin typeface="Arial"/>
+              </a:rPr>
+              <a:t>h </a:t>
+            </a:r>
+            <a:r>
+              <a:rPr b="0" lang="en-US" sz="2000" spc="-1" strike="noStrike">
+                <a:solidFill>
+                  <a:srgbClr val="000000"/>
+                </a:solidFill>
+                <a:latin typeface="Arial"/>
+              </a:rPr>
+              <a:t>O</a:t>
+            </a:r>
+            <a:r>
+              <a:rPr b="0" lang="en-US" sz="2000" spc="-1" strike="noStrike">
+                <a:solidFill>
+                  <a:srgbClr val="000000"/>
+                </a:solidFill>
+                <a:latin typeface="Arial"/>
+              </a:rPr>
+              <a:t>u</a:t>
+            </a:r>
+            <a:r>
+              <a:rPr b="0" lang="en-US" sz="2000" spc="-1" strike="noStrike">
+                <a:solidFill>
+                  <a:srgbClr val="000000"/>
+                </a:solidFill>
+                <a:latin typeface="Arial"/>
+              </a:rPr>
+              <a:t>tli</a:t>
+            </a:r>
+            <a:r>
+              <a:rPr b="0" lang="en-US" sz="2000" spc="-1" strike="noStrike">
+                <a:solidFill>
+                  <a:srgbClr val="000000"/>
+                </a:solidFill>
+                <a:latin typeface="Arial"/>
+              </a:rPr>
+              <a:t>n</a:t>
+            </a:r>
+            <a:r>
+              <a:rPr b="0" lang="en-US" sz="2000" spc="-1" strike="noStrike">
+                <a:solidFill>
+                  <a:srgbClr val="000000"/>
+                </a:solidFill>
+                <a:latin typeface="Arial"/>
+              </a:rPr>
+              <a:t>e </a:t>
+            </a:r>
+            <a:r>
+              <a:rPr b="0" lang="en-US" sz="2000" spc="-1" strike="noStrike">
+                <a:solidFill>
+                  <a:srgbClr val="000000"/>
+                </a:solidFill>
+                <a:latin typeface="Arial"/>
+              </a:rPr>
+              <a:t>L</a:t>
+            </a:r>
+            <a:r>
+              <a:rPr b="0" lang="en-US" sz="2000" spc="-1" strike="noStrike">
+                <a:solidFill>
+                  <a:srgbClr val="000000"/>
+                </a:solidFill>
+                <a:latin typeface="Arial"/>
+              </a:rPr>
+              <a:t>e</a:t>
+            </a:r>
+            <a:r>
+              <a:rPr b="0" lang="en-US" sz="2000" spc="-1" strike="noStrike">
+                <a:solidFill>
+                  <a:srgbClr val="000000"/>
+                </a:solidFill>
+                <a:latin typeface="Arial"/>
+              </a:rPr>
+              <a:t>v</a:t>
+            </a:r>
+            <a:r>
+              <a:rPr b="0" lang="en-US" sz="2000" spc="-1" strike="noStrike">
+                <a:solidFill>
+                  <a:srgbClr val="000000"/>
+                </a:solidFill>
+                <a:latin typeface="Arial"/>
+              </a:rPr>
+              <a:t>e</a:t>
+            </a:r>
+            <a:r>
+              <a:rPr b="0" lang="en-US" sz="2000" spc="-1" strike="noStrike">
+                <a:solidFill>
+                  <a:srgbClr val="000000"/>
+                </a:solidFill>
+                <a:latin typeface="Arial"/>
+              </a:rPr>
+              <a:t>l</a:t>
             </a:r>
             <a:endParaRPr b="0" lang="en-US" sz="2000" spc="-1" strike="noStrike">
               <a:solidFill>
@@ -18821,7 +19001,169 @@
                 </a:solidFill>
                 <a:latin typeface="Arial"/>
               </a:rPr>
-              <a:t>Sixth Outline Level</a:t>
+              <a:t>S</a:t>
+            </a:r>
+            <a:r>
+              <a:rPr b="0" lang="en-US" sz="2000" spc="-1" strike="noStrike">
+                <a:solidFill>
+                  <a:srgbClr val="000000"/>
+                </a:solidFill>
+                <a:latin typeface="Arial"/>
+              </a:rPr>
+              <a:t>i</a:t>
+            </a:r>
+            <a:r>
+              <a:rPr b="0" lang="en-US" sz="2000" spc="-1" strike="noStrike">
+                <a:solidFill>
+                  <a:srgbClr val="000000"/>
+                </a:solidFill>
+                <a:latin typeface="Arial"/>
+              </a:rPr>
+              <a:t>x</a:t>
+            </a:r>
+            <a:r>
+              <a:rPr b="0" lang="en-US" sz="2000" spc="-1" strike="noStrike">
+                <a:solidFill>
+                  <a:srgbClr val="000000"/>
+                </a:solidFill>
+                <a:latin typeface="Arial"/>
+              </a:rPr>
+              <a:t>t</a:t>
+            </a:r>
+            <a:r>
+              <a:rPr b="0" lang="en-US" sz="2000" spc="-1" strike="noStrike">
+                <a:solidFill>
+                  <a:srgbClr val="000000"/>
+                </a:solidFill>
+                <a:latin typeface="Arial"/>
+              </a:rPr>
+              <a:t>h</a:t>
+            </a:r>
+            <a:r>
+              <a:rPr b="0" lang="en-US" sz="2000" spc="-1" strike="noStrike">
+                <a:solidFill>
+                  <a:srgbClr val="000000"/>
+                </a:solidFill>
+                <a:latin typeface="Arial"/>
+              </a:rPr>
+              <a:t> </a:t>
+            </a:r>
+            <a:r>
+              <a:rPr b="0" lang="en-US" sz="2000" spc="-1" strike="noStrike">
+                <a:solidFill>
+                  <a:srgbClr val="000000"/>
+                </a:solidFill>
+                <a:latin typeface="Arial"/>
+              </a:rPr>
+              <a:t>O</a:t>
+            </a:r>
+            <a:r>
+              <a:rPr b="0" lang="en-US" sz="2000" spc="-1" strike="noStrike">
+                <a:solidFill>
+                  <a:srgbClr val="000000"/>
+                </a:solidFill>
+                <a:latin typeface="Arial"/>
+              </a:rPr>
+              <a:t>u</a:t>
+            </a:r>
+            <a:r>
+              <a:rPr b="0" lang="en-US" sz="2000" spc="-1" strike="noStrike">
+                <a:solidFill>
+                  <a:srgbClr val="000000"/>
+                </a:solidFill>
+                <a:latin typeface="Arial"/>
+              </a:rPr>
+              <a:t>t</a:t>
+            </a:r>
+            <a:r>
+              <a:rPr b="0" lang="en-US" sz="2000" spc="-1" strike="noStrike">
+                <a:solidFill>
+                  <a:srgbClr val="000000"/>
+                </a:solidFill>
+                <a:latin typeface="Arial"/>
+              </a:rPr>
+              <a:t>l</a:t>
+            </a:r>
+            <a:r>
+              <a:rPr b="0" lang="en-US" sz="2000" spc="-1" strike="noStrike">
+                <a:solidFill>
+                  <a:srgbClr val="000000"/>
+                </a:solidFill>
+                <a:latin typeface="Arial"/>
+              </a:rPr>
+              <a:t>i</a:t>
+            </a:r>
+            <a:r>
+              <a:rPr b="0" lang="en-US" sz="2000" spc="-1" strike="noStrike">
+                <a:solidFill>
+                  <a:srgbClr val="000000"/>
+                </a:solidFill>
+                <a:latin typeface="Arial"/>
+              </a:rPr>
+              <a:t>n</a:t>
+            </a:r>
+            <a:r>
+              <a:rPr b="0" lang="en-US" sz="2000" spc="-1" strike="noStrike">
+                <a:solidFill>
+                  <a:srgbClr val="000000"/>
+                </a:solidFill>
+                <a:latin typeface="Arial"/>
+              </a:rPr>
+              <a:t>e</a:t>
+            </a:r>
+            <a:r>
+              <a:rPr b="0" lang="en-US" sz="2000" spc="-1" strike="noStrike">
+                <a:solidFill>
+                  <a:srgbClr val="000000"/>
+                </a:solidFill>
+                <a:latin typeface="Arial"/>
+              </a:rPr>
+              <a:t> </a:t>
+            </a:r>
+            <a:r>
+              <a:rPr b="0" lang="en-US" sz="2000" spc="-1" strike="noStrike">
+                <a:solidFill>
+                  <a:srgbClr val="000000"/>
+                </a:solidFill>
+                <a:latin typeface="Arial"/>
+              </a:rPr>
+              <a:t>L</a:t>
+            </a:r>
+            <a:r>
+              <a:rPr b="0" lang="en-US" sz="2000" spc="-1" strike="noStrike">
+                <a:solidFill>
+                  <a:srgbClr val="000000"/>
+                </a:solidFill>
+                <a:latin typeface="Arial"/>
+              </a:rPr>
+              <a:t>e</a:t>
+            </a:r>
+            <a:r>
+              <a:rPr b="0" lang="en-US" sz="2000" spc="-1" strike="noStrike">
+                <a:solidFill>
+                  <a:srgbClr val="000000"/>
+                </a:solidFill>
+                <a:latin typeface="Arial"/>
+              </a:rPr>
+              <a:t>v</a:t>
+            </a:r>
+            <a:r>
+              <a:rPr b="0" lang="en-US" sz="2000" spc="-1" strike="noStrike">
+                <a:solidFill>
+                  <a:srgbClr val="000000"/>
+                </a:solidFill>
+                <a:latin typeface="Arial"/>
+              </a:rPr>
+              <a:t>e</a:t>
+            </a:r>
+            <a:r>
+              <a:rPr b="0" lang="en-US" sz="2000" spc="-1" strike="noStrike">
+                <a:solidFill>
+                  <a:srgbClr val="000000"/>
+                </a:solidFill>
+                <a:latin typeface="Arial"/>
+              </a:rPr>
+              <a:t>l</a:t>
             </a:r>
             <a:endParaRPr b="0" lang="en-US" sz="2000" spc="-1" strike="noStrike">
               <a:solidFill>
@@ -18849,7 +19191,187 @@
                 </a:solidFill>
                 <a:latin typeface="Arial"/>
               </a:rPr>
-              <a:t>Seventh Outline Level</a:t>
+              <a:t>S</a:t>
+            </a:r>
+            <a:r>
+              <a:rPr b="0" lang="en-US" sz="2000" spc="-1" strike="noStrike">
+                <a:solidFill>
+                  <a:srgbClr val="000000"/>
+                </a:solidFill>
+                <a:latin typeface="Arial"/>
+              </a:rPr>
+              <a:t>e</a:t>
+            </a:r>
+            <a:r>
+              <a:rPr b="0" lang="en-US" sz="2000" spc="-1" strike="noStrike">
+                <a:solidFill>
+                  <a:srgbClr val="000000"/>
+                </a:solidFill>
+                <a:latin typeface="Arial"/>
+              </a:rPr>
+              <a:t>v</a:t>
+            </a:r>
+            <a:r>
+              <a:rPr b="0" lang="en-US" sz="2000" spc="-1" strike="noStrike">
+                <a:solidFill>
+                  <a:srgbClr val="000000"/>
+                </a:solidFill>
+                <a:latin typeface="Arial"/>
+              </a:rPr>
+              <a:t>e</a:t>
+            </a:r>
+            <a:r>
+              <a:rPr b="0" lang="en-US" sz="2000" spc="-1" strike="noStrike">
+                <a:solidFill>
+                  <a:srgbClr val="000000"/>
+                </a:solidFill>
+                <a:latin typeface="Arial"/>
+              </a:rPr>
+              <a:t>n</a:t>
+            </a:r>
+            <a:r>
+              <a:rPr b="0" lang="en-US" sz="2000" spc="-1" strike="noStrike">
+                <a:solidFill>
+                  <a:srgbClr val="000000"/>
+                </a:solidFill>
+                <a:latin typeface="Arial"/>
+              </a:rPr>
+              <a:t>t</a:t>
+            </a:r>
+            <a:r>
+              <a:rPr b="0" lang="en-US" sz="2000" spc="-1" strike="noStrike">
+                <a:solidFill>
+                  <a:srgbClr val="000000"/>
+                </a:solidFill>
+                <a:latin typeface="Arial"/>
+              </a:rPr>
+              <a:t>h</a:t>
+            </a:r>
+            <a:r>
+              <a:rPr b="0" lang="en-US" sz="2000" spc="-1" strike="noStrike">
+                <a:solidFill>
+                  <a:srgbClr val="000000"/>
+                </a:solidFill>
+                <a:latin typeface="Arial"/>
+              </a:rPr>
+              <a:t> </a:t>
+            </a:r>
+            <a:r>
+              <a:rPr b="0" lang="en-US" sz="2000" spc="-1" strike="noStrike">
+                <a:solidFill>
+                  <a:srgbClr val="000000"/>
+                </a:solidFill>
+                <a:latin typeface="Arial"/>
+              </a:rPr>
+              <a:t>O</a:t>
+            </a:r>
+            <a:r>
+              <a:rPr b="0" lang="en-US" sz="2000" spc="-1" strike="noStrike">
+                <a:solidFill>
+                  <a:srgbClr val="000000"/>
+                </a:solidFill>
+                <a:latin typeface="Arial"/>
+              </a:rPr>
+              <a:t>u</a:t>
+            </a:r>
+            <a:r>
+              <a:rPr b="0" lang="en-US" sz="2000" spc="-1" strike="noStrike">
+                <a:solidFill>
+                  <a:srgbClr val="000000"/>
+                </a:solidFill>
+                <a:latin typeface="Arial"/>
+              </a:rPr>
+              <a:t>t</a:t>
+            </a:r>
+            <a:r>
+              <a:rPr b="0" lang="en-US" sz="2000" spc="-1" strike="noStrike">
+                <a:solidFill>
+                  <a:srgbClr val="000000"/>
+                </a:solidFill>
+                <a:latin typeface="Arial"/>
+              </a:rPr>
+              <a:t>l</a:t>
+            </a:r>
+            <a:r>
+              <a:rPr b="0" lang="en-US" sz="2000" spc="-1" strike="noStrike">
+                <a:solidFill>
+                  <a:srgbClr val="000000"/>
+                </a:solidFill>
+                <a:latin typeface="Arial"/>
+              </a:rPr>
+              <a:t>i</a:t>
+            </a:r>
+            <a:r>
+              <a:rPr b="0" lang="en-US" sz="2000" spc="-1" strike="noStrike">
+                <a:solidFill>
+                  <a:srgbClr val="000000"/>
+                </a:solidFill>
+                <a:latin typeface="Arial"/>
+              </a:rPr>
+              <a:t>n</a:t>
+            </a:r>
+            <a:r>
+              <a:rPr b="0" lang="en-US" sz="2000" spc="-1" strike="noStrike">
+                <a:solidFill>
+                  <a:srgbClr val="000000"/>
+                </a:solidFill>
+                <a:latin typeface="Arial"/>
+              </a:rPr>
+              <a:t>e</a:t>
+            </a:r>
+            <a:r>
+              <a:rPr b="0" lang="en-US" sz="2000" spc="-1" strike="noStrike">
+                <a:solidFill>
+                  <a:srgbClr val="000000"/>
+                </a:solidFill>
+                <a:latin typeface="Arial"/>
+              </a:rPr>
+              <a:t> </a:t>
+            </a:r>
+            <a:r>
+              <a:rPr b="0" lang="en-US" sz="2000" spc="-1" strike="noStrike">
+                <a:solidFill>
+                  <a:srgbClr val="000000"/>
+                </a:solidFill>
+                <a:latin typeface="Arial"/>
+              </a:rPr>
+              <a:t>L</a:t>
+            </a:r>
+            <a:r>
+              <a:rPr b="0" lang="en-US" sz="2000" spc="-1" strike="noStrike">
+                <a:solidFill>
+                  <a:srgbClr val="000000"/>
+                </a:solidFill>
+                <a:latin typeface="Arial"/>
+              </a:rPr>
+              <a:t>e</a:t>
+            </a:r>
+            <a:r>
+              <a:rPr b="0" lang="en-US" sz="2000" spc="-1" strike="noStrike">
+                <a:solidFill>
+                  <a:srgbClr val="000000"/>
+                </a:solidFill>
+                <a:latin typeface="Arial"/>
+              </a:rPr>
+              <a:t>v</a:t>
+            </a:r>
+            <a:r>
+              <a:rPr b="0" lang="en-US" sz="2000" spc="-1" strike="noStrike">
+                <a:solidFill>
+                  <a:srgbClr val="000000"/>
+                </a:solidFill>
+                <a:latin typeface="Arial"/>
+              </a:rPr>
+              <a:t>e</a:t>
+            </a:r>
+            <a:r>
+              <a:rPr b="0" lang="en-US" sz="2000" spc="-1" strike="noStrike">
+                <a:solidFill>
+                  <a:srgbClr val="000000"/>
+                </a:solidFill>
+                <a:latin typeface="Arial"/>
+              </a:rPr>
+              <a:t>l</a:t>
             </a:r>
             <a:endParaRPr b="0" lang="en-US" sz="2000" spc="-1" strike="noStrike">
               <a:solidFill>
@@ -18947,10 +19469,10 @@
           </a:prstGeom>
         </p:spPr>
         <p:txBody>
-          <a:bodyPr lIns="0" rIns="0" tIns="0" bIns="0" anchor="ctr"/>
+          <a:bodyPr lIns="0" rIns="0" tIns="0" bIns="0" anchor="b"/>
           <a:p>
             <a:r>
-              <a:rPr b="0" lang="en-US" sz="1400" spc="-1" strike="noStrike">
+              <a:rPr b="0" lang="en-US" sz="4800" spc="-1" strike="noStrike">
                 <a:solidFill>
                   <a:srgbClr val="000000"/>
                 </a:solidFill>
@@ -18958,7 +19480,7 @@
               </a:rPr>
               <a:t>Click to edit the title text format</a:t>
             </a:r>
-            <a:endParaRPr b="0" lang="en-US" sz="1400" spc="-1" strike="noStrike">
+            <a:endParaRPr b="0" lang="en-US" sz="4800" spc="-1" strike="noStrike">
               <a:solidFill>
                 <a:srgbClr val="000000"/>
               </a:solidFill>
@@ -18994,7 +19516,7 @@
                 <a:spcPct val="100000"/>
               </a:lnSpc>
             </a:pPr>
-            <a:fld id="{EFFA4DFD-71FB-4D75-AECA-BCB3B21FA62B}" type="slidenum">
+            <a:fld id="{F85B404E-4834-475A-A636-345D8A849BFE}" type="slidenum">
               <a:rPr b="0" lang="en-US" sz="1300" spc="-1" strike="noStrike">
                 <a:solidFill>
                   <a:srgbClr val="a7d86d"/>
@@ -19052,7 +19574,16 @@
                 </a:solidFill>
                 <a:latin typeface="Arial"/>
               </a:rPr>
-              <a:t>Click to edit the outline text format</a:t>
+              <a:t>Click to edit the outline </a:t>
+            </a:r>
+            <a:r>
+              <a:rPr b="0" lang="en-US" sz="1400" spc="-1" strike="noStrike">
+                <a:solidFill>
+                  <a:srgbClr val="000000"/>
+                </a:solidFill>
+                <a:latin typeface="Arial"/>
+              </a:rPr>
+              <a:t>text format</a:t>
             </a:r>
             <a:endParaRPr b="0" lang="en-US" sz="1400" spc="-1" strike="noStrike">
               <a:solidFill>
@@ -19080,7 +19611,16 @@
                 </a:solidFill>
                 <a:latin typeface="Arial"/>
               </a:rPr>
-              <a:t>Second Outline Level</a:t>
+              <a:t>Second Outline </a:t>
+            </a:r>
+            <a:r>
+              <a:rPr b="0" lang="en-US" sz="1400" spc="-1" strike="noStrike">
+                <a:solidFill>
+                  <a:srgbClr val="000000"/>
+                </a:solidFill>
+                <a:latin typeface="Arial"/>
+              </a:rPr>
+              <a:t>Level</a:t>
             </a:r>
             <a:endParaRPr b="0" lang="en-US" sz="1400" spc="-1" strike="noStrike">
               <a:solidFill>
@@ -19108,7 +19648,16 @@
                 </a:solidFill>
                 <a:latin typeface="Arial"/>
               </a:rPr>
-              <a:t>Third Outline Level</a:t>
+              <a:t>Third Outline </a:t>
+            </a:r>
+            <a:r>
+              <a:rPr b="0" lang="en-US" sz="1400" spc="-1" strike="noStrike">
+                <a:solidFill>
+                  <a:srgbClr val="000000"/>
+                </a:solidFill>
+                <a:latin typeface="Arial"/>
+              </a:rPr>
+              <a:t>Level</a:t>
             </a:r>
             <a:endParaRPr b="0" lang="en-US" sz="1400" spc="-1" strike="noStrike">
               <a:solidFill>
@@ -19136,7 +19685,25 @@
                 </a:solidFill>
                 <a:latin typeface="Arial"/>
               </a:rPr>
-              <a:t>Fourth Outline Level</a:t>
+              <a:t>Fourth </a:t>
+            </a:r>
+            <a:r>
+              <a:rPr b="0" lang="en-US" sz="1400" spc="-1" strike="noStrike">
+                <a:solidFill>
+                  <a:srgbClr val="000000"/>
+                </a:solidFill>
+                <a:latin typeface="Arial"/>
+              </a:rPr>
+              <a:t>Outline </a:t>
+            </a:r>
+            <a:r>
+              <a:rPr b="0" lang="en-US" sz="1400" spc="-1" strike="noStrike">
+                <a:solidFill>
+                  <a:srgbClr val="000000"/>
+                </a:solidFill>
+                <a:latin typeface="Arial"/>
+              </a:rPr>
+              <a:t>Level</a:t>
             </a:r>
             <a:endParaRPr b="0" lang="en-US" sz="1400" spc="-1" strike="noStrike">
               <a:solidFill>
@@ -19164,7 +19731,124 @@
                 </a:solidFill>
                 <a:latin typeface="Arial"/>
               </a:rPr>
-              <a:t>Fifth Outline Level</a:t>
+              <a:t>F</a:t>
+            </a:r>
+            <a:r>
+              <a:rPr b="0" lang="en-US" sz="2000" spc="-1" strike="noStrike">
+                <a:solidFill>
+                  <a:srgbClr val="000000"/>
+                </a:solidFill>
+                <a:latin typeface="Arial"/>
+              </a:rPr>
+              <a:t>if</a:t>
+            </a:r>
+            <a:r>
+              <a:rPr b="0" lang="en-US" sz="2000" spc="-1" strike="noStrike">
+                <a:solidFill>
+                  <a:srgbClr val="000000"/>
+                </a:solidFill>
+                <a:latin typeface="Arial"/>
+              </a:rPr>
+              <a:t>t</a:t>
+            </a:r>
+            <a:r>
+              <a:rPr b="0" lang="en-US" sz="2000" spc="-1" strike="noStrike">
+                <a:solidFill>
+                  <a:srgbClr val="000000"/>
+                </a:solidFill>
+                <a:latin typeface="Arial"/>
+              </a:rPr>
+              <a:t>h </a:t>
+            </a:r>
+            <a:r>
+              <a:rPr b="0" lang="en-US" sz="2000" spc="-1" strike="noStrike">
+                <a:solidFill>
+                  <a:srgbClr val="000000"/>
+                </a:solidFill>
+                <a:latin typeface="Arial"/>
+              </a:rPr>
+              <a:t>O</a:t>
+            </a:r>
+            <a:r>
+              <a:rPr b="0" lang="en-US" sz="2000" spc="-1" strike="noStrike">
+                <a:solidFill>
+                  <a:srgbClr val="000000"/>
+                </a:solidFill>
+                <a:latin typeface="Arial"/>
+              </a:rPr>
+              <a:t>u</a:t>
+            </a:r>
+            <a:r>
+              <a:rPr b="0" lang="en-US" sz="2000" spc="-1" strike="noStrike">
+                <a:solidFill>
+                  <a:srgbClr val="000000"/>
+                </a:solidFill>
+                <a:latin typeface="Arial"/>
+              </a:rPr>
+              <a:t>tli</a:t>
+            </a:r>
+            <a:r>
+              <a:rPr b="0" lang="en-US" sz="2000" spc="-1" strike="noStrike">
+                <a:solidFill>
+                  <a:srgbClr val="000000"/>
+                </a:solidFill>
+                <a:latin typeface="Arial"/>
+              </a:rPr>
+              <a:t>n</a:t>
+            </a:r>
+            <a:r>
+              <a:rPr b="0" lang="en-US" sz="2000" spc="-1" strike="noStrike">
+                <a:solidFill>
+                  <a:srgbClr val="000000"/>
+                </a:solidFill>
+                <a:latin typeface="Arial"/>
+              </a:rPr>
+              <a:t>e </a:t>
+            </a:r>
+            <a:r>
+              <a:rPr b="0" lang="en-US" sz="2000" spc="-1" strike="noStrike">
+                <a:solidFill>
+                  <a:srgbClr val="000000"/>
+                </a:solidFill>
+                <a:latin typeface="Arial"/>
+              </a:rPr>
+              <a:t>L</a:t>
+            </a:r>
+            <a:r>
+              <a:rPr b="0" lang="en-US" sz="2000" spc="-1" strike="noStrike">
+                <a:solidFill>
+                  <a:srgbClr val="000000"/>
+                </a:solidFill>
+                <a:latin typeface="Arial"/>
+              </a:rPr>
+              <a:t>e</a:t>
+            </a:r>
+            <a:r>
+              <a:rPr b="0" lang="en-US" sz="2000" spc="-1" strike="noStrike">
+                <a:solidFill>
+                  <a:srgbClr val="000000"/>
+                </a:solidFill>
+                <a:latin typeface="Arial"/>
+              </a:rPr>
+              <a:t>v</a:t>
+            </a:r>
+            <a:r>
+              <a:rPr b="0" lang="en-US" sz="2000" spc="-1" strike="noStrike">
+                <a:solidFill>
+                  <a:srgbClr val="000000"/>
+                </a:solidFill>
+                <a:latin typeface="Arial"/>
+              </a:rPr>
+              <a:t>e</a:t>
+            </a:r>
+            <a:r>
+              <a:rPr b="0" lang="en-US" sz="2000" spc="-1" strike="noStrike">
+                <a:solidFill>
+                  <a:srgbClr val="000000"/>
+                </a:solidFill>
+                <a:latin typeface="Arial"/>
+              </a:rPr>
+              <a:t>l</a:t>
             </a:r>
             <a:endParaRPr b="0" lang="en-US" sz="2000" spc="-1" strike="noStrike">
               <a:solidFill>
@@ -19192,7 +19876,169 @@
                 </a:solidFill>
                 <a:latin typeface="Arial"/>
               </a:rPr>
-              <a:t>Sixth Outline Level</a:t>
+              <a:t>S</a:t>
+            </a:r>
+            <a:r>
+              <a:rPr b="0" lang="en-US" sz="2000" spc="-1" strike="noStrike">
+                <a:solidFill>
+                  <a:srgbClr val="000000"/>
+                </a:solidFill>
+                <a:latin typeface="Arial"/>
+              </a:rPr>
+              <a:t>i</a:t>
+            </a:r>
+            <a:r>
+              <a:rPr b="0" lang="en-US" sz="2000" spc="-1" strike="noStrike">
+                <a:solidFill>
+                  <a:srgbClr val="000000"/>
+                </a:solidFill>
+                <a:latin typeface="Arial"/>
+              </a:rPr>
+              <a:t>x</a:t>
+            </a:r>
+            <a:r>
+              <a:rPr b="0" lang="en-US" sz="2000" spc="-1" strike="noStrike">
+                <a:solidFill>
+                  <a:srgbClr val="000000"/>
+                </a:solidFill>
+                <a:latin typeface="Arial"/>
+              </a:rPr>
+              <a:t>t</a:t>
+            </a:r>
+            <a:r>
+              <a:rPr b="0" lang="en-US" sz="2000" spc="-1" strike="noStrike">
+                <a:solidFill>
+                  <a:srgbClr val="000000"/>
+                </a:solidFill>
+                <a:latin typeface="Arial"/>
+              </a:rPr>
+              <a:t>h</a:t>
+            </a:r>
+            <a:r>
+              <a:rPr b="0" lang="en-US" sz="2000" spc="-1" strike="noStrike">
+                <a:solidFill>
+                  <a:srgbClr val="000000"/>
+                </a:solidFill>
+                <a:latin typeface="Arial"/>
+              </a:rPr>
+              <a:t> </a:t>
+            </a:r>
+            <a:r>
+              <a:rPr b="0" lang="en-US" sz="2000" spc="-1" strike="noStrike">
+                <a:solidFill>
+                  <a:srgbClr val="000000"/>
+                </a:solidFill>
+                <a:latin typeface="Arial"/>
+              </a:rPr>
+              <a:t>O</a:t>
+            </a:r>
+            <a:r>
+              <a:rPr b="0" lang="en-US" sz="2000" spc="-1" strike="noStrike">
+                <a:solidFill>
+                  <a:srgbClr val="000000"/>
+                </a:solidFill>
+                <a:latin typeface="Arial"/>
+              </a:rPr>
+              <a:t>u</a:t>
+            </a:r>
+            <a:r>
+              <a:rPr b="0" lang="en-US" sz="2000" spc="-1" strike="noStrike">
+                <a:solidFill>
+                  <a:srgbClr val="000000"/>
+                </a:solidFill>
+                <a:latin typeface="Arial"/>
+              </a:rPr>
+              <a:t>t</a:t>
+            </a:r>
+            <a:r>
+              <a:rPr b="0" lang="en-US" sz="2000" spc="-1" strike="noStrike">
+                <a:solidFill>
+                  <a:srgbClr val="000000"/>
+                </a:solidFill>
+                <a:latin typeface="Arial"/>
+              </a:rPr>
+              <a:t>l</a:t>
+            </a:r>
+            <a:r>
+              <a:rPr b="0" lang="en-US" sz="2000" spc="-1" strike="noStrike">
+                <a:solidFill>
+                  <a:srgbClr val="000000"/>
+                </a:solidFill>
+                <a:latin typeface="Arial"/>
+              </a:rPr>
+              <a:t>i</a:t>
+            </a:r>
+            <a:r>
+              <a:rPr b="0" lang="en-US" sz="2000" spc="-1" strike="noStrike">
+                <a:solidFill>
+                  <a:srgbClr val="000000"/>
+                </a:solidFill>
+                <a:latin typeface="Arial"/>
+              </a:rPr>
+              <a:t>n</a:t>
+            </a:r>
+            <a:r>
+              <a:rPr b="0" lang="en-US" sz="2000" spc="-1" strike="noStrike">
+                <a:solidFill>
+                  <a:srgbClr val="000000"/>
+                </a:solidFill>
+                <a:latin typeface="Arial"/>
+              </a:rPr>
+              <a:t>e</a:t>
+            </a:r>
+            <a:r>
+              <a:rPr b="0" lang="en-US" sz="2000" spc="-1" strike="noStrike">
+                <a:solidFill>
+                  <a:srgbClr val="000000"/>
+                </a:solidFill>
+                <a:latin typeface="Arial"/>
+              </a:rPr>
+              <a:t> </a:t>
+            </a:r>
+            <a:r>
+              <a:rPr b="0" lang="en-US" sz="2000" spc="-1" strike="noStrike">
+                <a:solidFill>
+                  <a:srgbClr val="000000"/>
+                </a:solidFill>
+                <a:latin typeface="Arial"/>
+              </a:rPr>
+              <a:t>L</a:t>
+            </a:r>
+            <a:r>
+              <a:rPr b="0" lang="en-US" sz="2000" spc="-1" strike="noStrike">
+                <a:solidFill>
+                  <a:srgbClr val="000000"/>
+                </a:solidFill>
+                <a:latin typeface="Arial"/>
+              </a:rPr>
+              <a:t>e</a:t>
+            </a:r>
+            <a:r>
+              <a:rPr b="0" lang="en-US" sz="2000" spc="-1" strike="noStrike">
+                <a:solidFill>
+                  <a:srgbClr val="000000"/>
+                </a:solidFill>
+                <a:latin typeface="Arial"/>
+              </a:rPr>
+              <a:t>v</a:t>
+            </a:r>
+            <a:r>
+              <a:rPr b="0" lang="en-US" sz="2000" spc="-1" strike="noStrike">
+                <a:solidFill>
+                  <a:srgbClr val="000000"/>
+                </a:solidFill>
+                <a:latin typeface="Arial"/>
+              </a:rPr>
+              <a:t>e</a:t>
+            </a:r>
+            <a:r>
+              <a:rPr b="0" lang="en-US" sz="2000" spc="-1" strike="noStrike">
+                <a:solidFill>
+                  <a:srgbClr val="000000"/>
+                </a:solidFill>
+                <a:latin typeface="Arial"/>
+              </a:rPr>
+              <a:t>l</a:t>
             </a:r>
             <a:endParaRPr b="0" lang="en-US" sz="2000" spc="-1" strike="noStrike">
               <a:solidFill>
@@ -19220,7 +20066,187 @@
                 </a:solidFill>
                 <a:latin typeface="Arial"/>
               </a:rPr>
-              <a:t>Seventh Outline Level</a:t>
+              <a:t>S</a:t>
+            </a:r>
+            <a:r>
+              <a:rPr b="0" lang="en-US" sz="2000" spc="-1" strike="noStrike">
+                <a:solidFill>
+                  <a:srgbClr val="000000"/>
+                </a:solidFill>
+                <a:latin typeface="Arial"/>
+              </a:rPr>
+              <a:t>e</a:t>
+            </a:r>
+            <a:r>
+              <a:rPr b="0" lang="en-US" sz="2000" spc="-1" strike="noStrike">
+                <a:solidFill>
+                  <a:srgbClr val="000000"/>
+                </a:solidFill>
+                <a:latin typeface="Arial"/>
+              </a:rPr>
+              <a:t>v</a:t>
+            </a:r>
+            <a:r>
+              <a:rPr b="0" lang="en-US" sz="2000" spc="-1" strike="noStrike">
+                <a:solidFill>
+                  <a:srgbClr val="000000"/>
+                </a:solidFill>
+                <a:latin typeface="Arial"/>
+              </a:rPr>
+              <a:t>e</a:t>
+            </a:r>
+            <a:r>
+              <a:rPr b="0" lang="en-US" sz="2000" spc="-1" strike="noStrike">
+                <a:solidFill>
+                  <a:srgbClr val="000000"/>
+                </a:solidFill>
+                <a:latin typeface="Arial"/>
+              </a:rPr>
+              <a:t>n</a:t>
+            </a:r>
+            <a:r>
+              <a:rPr b="0" lang="en-US" sz="2000" spc="-1" strike="noStrike">
+                <a:solidFill>
+                  <a:srgbClr val="000000"/>
+                </a:solidFill>
+                <a:latin typeface="Arial"/>
+              </a:rPr>
+              <a:t>t</a:t>
+            </a:r>
+            <a:r>
+              <a:rPr b="0" lang="en-US" sz="2000" spc="-1" strike="noStrike">
+                <a:solidFill>
+                  <a:srgbClr val="000000"/>
+                </a:solidFill>
+                <a:latin typeface="Arial"/>
+              </a:rPr>
+              <a:t>h</a:t>
+            </a:r>
+            <a:r>
+              <a:rPr b="0" lang="en-US" sz="2000" spc="-1" strike="noStrike">
+                <a:solidFill>
+                  <a:srgbClr val="000000"/>
+                </a:solidFill>
+                <a:latin typeface="Arial"/>
+              </a:rPr>
+              <a:t> </a:t>
+            </a:r>
+            <a:r>
+              <a:rPr b="0" lang="en-US" sz="2000" spc="-1" strike="noStrike">
+                <a:solidFill>
+                  <a:srgbClr val="000000"/>
+                </a:solidFill>
+                <a:latin typeface="Arial"/>
+              </a:rPr>
+              <a:t>O</a:t>
+            </a:r>
+            <a:r>
+              <a:rPr b="0" lang="en-US" sz="2000" spc="-1" strike="noStrike">
+                <a:solidFill>
+                  <a:srgbClr val="000000"/>
+                </a:solidFill>
+                <a:latin typeface="Arial"/>
+              </a:rPr>
+              <a:t>u</a:t>
+            </a:r>
+            <a:r>
+              <a:rPr b="0" lang="en-US" sz="2000" spc="-1" strike="noStrike">
+                <a:solidFill>
+                  <a:srgbClr val="000000"/>
+                </a:solidFill>
+                <a:latin typeface="Arial"/>
+              </a:rPr>
+              <a:t>t</a:t>
+            </a:r>
+            <a:r>
+              <a:rPr b="0" lang="en-US" sz="2000" spc="-1" strike="noStrike">
+                <a:solidFill>
+                  <a:srgbClr val="000000"/>
+                </a:solidFill>
+                <a:latin typeface="Arial"/>
+              </a:rPr>
+              <a:t>l</a:t>
+            </a:r>
+            <a:r>
+              <a:rPr b="0" lang="en-US" sz="2000" spc="-1" strike="noStrike">
+                <a:solidFill>
+                  <a:srgbClr val="000000"/>
+                </a:solidFill>
+                <a:latin typeface="Arial"/>
+              </a:rPr>
+              <a:t>i</a:t>
+            </a:r>
+            <a:r>
+              <a:rPr b="0" lang="en-US" sz="2000" spc="-1" strike="noStrike">
+                <a:solidFill>
+                  <a:srgbClr val="000000"/>
+                </a:solidFill>
+                <a:latin typeface="Arial"/>
+              </a:rPr>
+              <a:t>n</a:t>
+            </a:r>
+            <a:r>
+              <a:rPr b="0" lang="en-US" sz="2000" spc="-1" strike="noStrike">
+                <a:solidFill>
+                  <a:srgbClr val="000000"/>
+                </a:solidFill>
+                <a:latin typeface="Arial"/>
+              </a:rPr>
+              <a:t>e</a:t>
+            </a:r>
+            <a:r>
+              <a:rPr b="0" lang="en-US" sz="2000" spc="-1" strike="noStrike">
+                <a:solidFill>
+                  <a:srgbClr val="000000"/>
+                </a:solidFill>
+                <a:latin typeface="Arial"/>
+              </a:rPr>
+              <a:t> </a:t>
+            </a:r>
+            <a:r>
+              <a:rPr b="0" lang="en-US" sz="2000" spc="-1" strike="noStrike">
+                <a:solidFill>
+                  <a:srgbClr val="000000"/>
+                </a:solidFill>
+                <a:latin typeface="Arial"/>
+              </a:rPr>
+              <a:t>L</a:t>
+            </a:r>
+            <a:r>
+              <a:rPr b="0" lang="en-US" sz="2000" spc="-1" strike="noStrike">
+                <a:solidFill>
+                  <a:srgbClr val="000000"/>
+                </a:solidFill>
+                <a:latin typeface="Arial"/>
+              </a:rPr>
+              <a:t>e</a:t>
+            </a:r>
+            <a:r>
+              <a:rPr b="0" lang="en-US" sz="2000" spc="-1" strike="noStrike">
+                <a:solidFill>
+                  <a:srgbClr val="000000"/>
+                </a:solidFill>
+                <a:latin typeface="Arial"/>
+              </a:rPr>
+              <a:t>v</a:t>
+            </a:r>
+            <a:r>
+              <a:rPr b="0" lang="en-US" sz="2000" spc="-1" strike="noStrike">
+                <a:solidFill>
+                  <a:srgbClr val="000000"/>
+                </a:solidFill>
+                <a:latin typeface="Arial"/>
+              </a:rPr>
+              <a:t>e</a:t>
+            </a:r>
+            <a:r>
+              <a:rPr b="0" lang="en-US" sz="2000" spc="-1" strike="noStrike">
+                <a:solidFill>
+                  <a:srgbClr val="000000"/>
+                </a:solidFill>
+                <a:latin typeface="Arial"/>
+              </a:rPr>
+              <a:t>l</a:t>
             </a:r>
             <a:endParaRPr b="0" lang="en-US" sz="2000" spc="-1" strike="noStrike">
               <a:solidFill>
@@ -19295,10 +20321,10 @@
           </a:prstGeom>
         </p:spPr>
         <p:txBody>
-          <a:bodyPr lIns="0" rIns="0" tIns="0" bIns="0" anchor="ctr"/>
+          <a:bodyPr lIns="0" rIns="0" tIns="0" bIns="0" anchor="b"/>
           <a:p>
             <a:r>
-              <a:rPr b="0" lang="en-US" sz="1400" spc="-1" strike="noStrike">
+              <a:rPr b="0" lang="en-US" sz="4800" spc="-1" strike="noStrike">
                 <a:solidFill>
                   <a:srgbClr val="000000"/>
                 </a:solidFill>
@@ -19306,7 +20332,7 @@
               </a:rPr>
               <a:t>Click to edit the title text format</a:t>
             </a:r>
-            <a:endParaRPr b="0" lang="en-US" sz="1400" spc="-1" strike="noStrike">
+            <a:endParaRPr b="0" lang="en-US" sz="4800" spc="-1" strike="noStrike">
               <a:solidFill>
                 <a:srgbClr val="000000"/>
               </a:solidFill>
@@ -19342,7 +20368,7 @@
                 <a:spcPct val="100000"/>
               </a:lnSpc>
             </a:pPr>
-            <a:fld id="{799B8A75-7AD3-46D9-B456-7389DD7D99E2}" type="slidenum">
+            <a:fld id="{1EFD69D1-AD16-4A2A-9ADD-46B41F0A9464}" type="slidenum">
               <a:rPr b="0" lang="en-US" sz="1300" spc="-1" strike="noStrike">
                 <a:solidFill>
                   <a:srgbClr val="a7d86d"/>
@@ -19643,9 +20669,7 @@
           </a:prstGeom>
         </p:spPr>
         <p:txBody>
-          <a:bodyPr lIns="0" rIns="0" tIns="0" bIns="0">
-            <a:normAutofit/>
-          </a:bodyPr>
+          <a:bodyPr lIns="0" rIns="0" tIns="0" bIns="0"/>
           <a:p>
             <a:pPr marL="432000" indent="-324000">
               <a:spcBef>
@@ -19659,7 +20683,7 @@
               <a:buChar char=""/>
             </a:pPr>
             <a:r>
-              <a:rPr b="0" lang="en-US" sz="1400" spc="-1" strike="noStrike">
+              <a:rPr b="0" lang="en-US" sz="1600" spc="-1" strike="noStrike">
                 <a:solidFill>
                   <a:srgbClr val="000000"/>
                 </a:solidFill>
@@ -19667,7 +20691,7 @@
               </a:rPr>
               <a:t>Click to edit the outline text format</a:t>
             </a:r>
-            <a:endParaRPr b="0" lang="en-US" sz="1400" spc="-1" strike="noStrike">
+            <a:endParaRPr b="0" lang="en-US" sz="1600" spc="-1" strike="noStrike">
               <a:solidFill>
                 <a:srgbClr val="000000"/>
               </a:solidFill>
@@ -19687,7 +20711,7 @@
               <a:buChar char=""/>
             </a:pPr>
             <a:r>
-              <a:rPr b="0" lang="en-US" sz="1400" spc="-1" strike="noStrike">
+              <a:rPr b="0" lang="en-US" sz="1600" spc="-1" strike="noStrike">
                 <a:solidFill>
                   <a:srgbClr val="000000"/>
                 </a:solidFill>
@@ -19695,7 +20719,7 @@
               </a:rPr>
               <a:t>Second Outline Level</a:t>
             </a:r>
-            <a:endParaRPr b="0" lang="en-US" sz="1400" spc="-1" strike="noStrike">
+            <a:endParaRPr b="0" lang="en-US" sz="1600" spc="-1" strike="noStrike">
               <a:solidFill>
                 <a:srgbClr val="000000"/>
               </a:solidFill>
@@ -19715,7 +20739,7 @@
               <a:buChar char=""/>
             </a:pPr>
             <a:r>
-              <a:rPr b="0" lang="en-US" sz="1400" spc="-1" strike="noStrike">
+              <a:rPr b="0" lang="en-US" sz="1600" spc="-1" strike="noStrike">
                 <a:solidFill>
                   <a:srgbClr val="000000"/>
                 </a:solidFill>
@@ -19723,7 +20747,7 @@
               </a:rPr>
               <a:t>Third Outline Level</a:t>
             </a:r>
-            <a:endParaRPr b="0" lang="en-US" sz="1400" spc="-1" strike="noStrike">
+            <a:endParaRPr b="0" lang="en-US" sz="1600" spc="-1" strike="noStrike">
               <a:solidFill>
                 <a:srgbClr val="000000"/>
               </a:solidFill>
@@ -19743,7 +20767,7 @@
               <a:buChar char=""/>
             </a:pPr>
             <a:r>
-              <a:rPr b="0" lang="en-US" sz="1400" spc="-1" strike="noStrike">
+              <a:rPr b="0" lang="en-US" sz="1600" spc="-1" strike="noStrike">
                 <a:solidFill>
                   <a:srgbClr val="000000"/>
                 </a:solidFill>
@@ -19751,7 +20775,7 @@
               </a:rPr>
               <a:t>Fourth Outline Level</a:t>
             </a:r>
-            <a:endParaRPr b="0" lang="en-US" sz="1400" spc="-1" strike="noStrike">
+            <a:endParaRPr b="0" lang="en-US" sz="1600" spc="-1" strike="noStrike">
               <a:solidFill>
                 <a:srgbClr val="000000"/>
               </a:solidFill>
@@ -19771,7 +20795,7 @@
               <a:buChar char=""/>
             </a:pPr>
             <a:r>
-              <a:rPr b="0" lang="en-US" sz="2000" spc="-1" strike="noStrike">
+              <a:rPr b="0" lang="en-US" sz="1600" spc="-1" strike="noStrike">
                 <a:solidFill>
                   <a:srgbClr val="000000"/>
                 </a:solidFill>
@@ -19779,7 +20803,7 @@
               </a:rPr>
               <a:t>Fifth Outline Level</a:t>
             </a:r>
-            <a:endParaRPr b="0" lang="en-US" sz="2000" spc="-1" strike="noStrike">
+            <a:endParaRPr b="0" lang="en-US" sz="1600" spc="-1" strike="noStrike">
               <a:solidFill>
                 <a:srgbClr val="000000"/>
               </a:solidFill>
@@ -19799,7 +20823,7 @@
               <a:buChar char=""/>
             </a:pPr>
             <a:r>
-              <a:rPr b="0" lang="en-US" sz="2000" spc="-1" strike="noStrike">
+              <a:rPr b="0" lang="en-US" sz="1600" spc="-1" strike="noStrike">
                 <a:solidFill>
                   <a:srgbClr val="000000"/>
                 </a:solidFill>
@@ -19807,7 +20831,7 @@
               </a:rPr>
               <a:t>Sixth Outline Level</a:t>
             </a:r>
-            <a:endParaRPr b="0" lang="en-US" sz="2000" spc="-1" strike="noStrike">
+            <a:endParaRPr b="0" lang="en-US" sz="1600" spc="-1" strike="noStrike">
               <a:solidFill>
                 <a:srgbClr val="000000"/>
               </a:solidFill>
@@ -19827,7 +20851,7 @@
               <a:buChar char=""/>
             </a:pPr>
             <a:r>
-              <a:rPr b="0" lang="en-US" sz="2000" spc="-1" strike="noStrike">
+              <a:rPr b="0" lang="en-US" sz="1600" spc="-1" strike="noStrike">
                 <a:solidFill>
                   <a:srgbClr val="000000"/>
                 </a:solidFill>
@@ -19835,7 +20859,7 @@
               </a:rPr>
               <a:t>Seventh Outline Level</a:t>
             </a:r>
-            <a:endParaRPr b="0" lang="en-US" sz="2000" spc="-1" strike="noStrike">
+            <a:endParaRPr b="0" lang="en-US" sz="1600" spc="-1" strike="noStrike">
               <a:solidFill>
                 <a:srgbClr val="000000"/>
               </a:solidFill>
@@ -19871,7 +20895,7 @@
                 <a:spcPct val="100000"/>
               </a:lnSpc>
             </a:pPr>
-            <a:fld id="{EE888B13-00E3-495D-A41A-699A65167767}" type="slidenum">
+            <a:fld id="{3CB17B43-AA76-48DB-B42E-CEBF2477F5E5}" type="slidenum">
               <a:rPr b="0" lang="en-US" sz="1300" spc="-1" strike="noStrike">
                 <a:solidFill>
                   <a:srgbClr val="a7d86d"/>
@@ -23655,10 +24679,10 @@
           </a:prstGeom>
         </p:spPr>
         <p:txBody>
-          <a:bodyPr lIns="0" rIns="0" tIns="0" bIns="0" anchor="ctr"/>
+          <a:bodyPr lIns="0" rIns="0" tIns="0" bIns="0" anchor="b"/>
           <a:p>
             <a:r>
-              <a:rPr b="0" lang="en-US" sz="1400" spc="-1" strike="noStrike">
+              <a:rPr b="0" lang="en-US" sz="3600" spc="-1" strike="noStrike">
                 <a:solidFill>
                   <a:srgbClr val="000000"/>
                 </a:solidFill>
@@ -23666,7 +24690,7 @@
               </a:rPr>
               <a:t>Click to edit the title text format</a:t>
             </a:r>
-            <a:endParaRPr b="0" lang="en-US" sz="1400" spc="-1" strike="noStrike">
+            <a:endParaRPr b="0" lang="en-US" sz="3600" spc="-1" strike="noStrike">
               <a:solidFill>
                 <a:srgbClr val="000000"/>
               </a:solidFill>
@@ -23695,9 +24719,7 @@
           </a:prstGeom>
         </p:spPr>
         <p:txBody>
-          <a:bodyPr lIns="0" rIns="0" tIns="0" bIns="0">
-            <a:normAutofit/>
-          </a:bodyPr>
+          <a:bodyPr lIns="0" rIns="0" tIns="0" bIns="0"/>
           <a:p>
             <a:pPr marL="432000" indent="-324000">
               <a:spcBef>
@@ -23711,7 +24733,7 @@
               <a:buChar char=""/>
             </a:pPr>
             <a:r>
-              <a:rPr b="0" lang="en-US" sz="1400" spc="-1" strike="noStrike">
+              <a:rPr b="0" lang="en-US" sz="2000" spc="-1" strike="noStrike">
                 <a:solidFill>
                   <a:srgbClr val="000000"/>
                 </a:solidFill>
@@ -23719,7 +24741,7 @@
               </a:rPr>
               <a:t>Click to edit the outline text format</a:t>
             </a:r>
-            <a:endParaRPr b="0" lang="en-US" sz="1400" spc="-1" strike="noStrike">
+            <a:endParaRPr b="0" lang="en-US" sz="2000" spc="-1" strike="noStrike">
               <a:solidFill>
                 <a:srgbClr val="000000"/>
               </a:solidFill>
@@ -23739,7 +24761,7 @@
               <a:buChar char=""/>
             </a:pPr>
             <a:r>
-              <a:rPr b="0" lang="en-US" sz="1400" spc="-1" strike="noStrike">
+              <a:rPr b="0" lang="en-US" sz="2000" spc="-1" strike="noStrike">
                 <a:solidFill>
                   <a:srgbClr val="000000"/>
                 </a:solidFill>
@@ -23747,7 +24769,7 @@
               </a:rPr>
               <a:t>Second Outline Level</a:t>
             </a:r>
-            <a:endParaRPr b="0" lang="en-US" sz="1400" spc="-1" strike="noStrike">
+            <a:endParaRPr b="0" lang="en-US" sz="2000" spc="-1" strike="noStrike">
               <a:solidFill>
                 <a:srgbClr val="000000"/>
               </a:solidFill>
@@ -23767,7 +24789,7 @@
               <a:buChar char=""/>
             </a:pPr>
             <a:r>
-              <a:rPr b="0" lang="en-US" sz="1400" spc="-1" strike="noStrike">
+              <a:rPr b="0" lang="en-US" sz="2000" spc="-1" strike="noStrike">
                 <a:solidFill>
                   <a:srgbClr val="000000"/>
                 </a:solidFill>
@@ -23775,7 +24797,7 @@
               </a:rPr>
               <a:t>Third Outline Level</a:t>
             </a:r>
-            <a:endParaRPr b="0" lang="en-US" sz="1400" spc="-1" strike="noStrike">
+            <a:endParaRPr b="0" lang="en-US" sz="2000" spc="-1" strike="noStrike">
               <a:solidFill>
                 <a:srgbClr val="000000"/>
               </a:solidFill>
@@ -23795,7 +24817,7 @@
               <a:buChar char=""/>
             </a:pPr>
             <a:r>
-              <a:rPr b="0" lang="en-US" sz="1400" spc="-1" strike="noStrike">
+              <a:rPr b="0" lang="en-US" sz="2000" spc="-1" strike="noStrike">
                 <a:solidFill>
                   <a:srgbClr val="000000"/>
                 </a:solidFill>
@@ -23803,7 +24825,7 @@
               </a:rPr>
               <a:t>Fourth Outline Level</a:t>
             </a:r>
-            <a:endParaRPr b="0" lang="en-US" sz="1400" spc="-1" strike="noStrike">
+            <a:endParaRPr b="0" lang="en-US" sz="2000" spc="-1" strike="noStrike">
               <a:solidFill>
                 <a:srgbClr val="000000"/>
               </a:solidFill>
@@ -23923,7 +24945,7 @@
                 <a:spcPct val="100000"/>
               </a:lnSpc>
             </a:pPr>
-            <a:fld id="{047C3DBB-D2F5-4401-9779-0453DE2FB3A1}" type="slidenum">
+            <a:fld id="{55A4D45B-6F32-4B92-9BB1-7CE1D80FFE92}" type="slidenum">
               <a:rPr b="0" lang="en-US" sz="1300" spc="-1" strike="noStrike">
                 <a:solidFill>
                   <a:srgbClr val="a7d86d"/>
@@ -24026,10 +25048,10 @@
           </a:prstGeom>
         </p:spPr>
         <p:txBody>
-          <a:bodyPr lIns="0" rIns="0" tIns="0" bIns="0" anchor="ctr"/>
+          <a:bodyPr lIns="0" rIns="0" tIns="0" bIns="0" anchor="b"/>
           <a:p>
             <a:r>
-              <a:rPr b="0" lang="en-US" sz="1400" spc="-1" strike="noStrike">
+              <a:rPr b="0" lang="en-US" sz="4800" spc="-1" strike="noStrike">
                 <a:solidFill>
                   <a:srgbClr val="000000"/>
                 </a:solidFill>
@@ -24037,7 +25059,7 @@
               </a:rPr>
               <a:t>Click to edit the title text format</a:t>
             </a:r>
-            <a:endParaRPr b="0" lang="en-US" sz="1400" spc="-1" strike="noStrike">
+            <a:endParaRPr b="0" lang="en-US" sz="4800" spc="-1" strike="noStrike">
               <a:solidFill>
                 <a:srgbClr val="000000"/>
               </a:solidFill>
@@ -24066,9 +25088,7 @@
           </a:prstGeom>
         </p:spPr>
         <p:txBody>
-          <a:bodyPr lIns="0" rIns="0" tIns="0" bIns="0">
-            <a:normAutofit/>
-          </a:bodyPr>
+          <a:bodyPr lIns="0" rIns="0" tIns="0" bIns="0"/>
           <a:p>
             <a:pPr marL="432000" indent="-324000">
               <a:spcBef>
@@ -24082,7 +25102,7 @@
               <a:buChar char=""/>
             </a:pPr>
             <a:r>
-              <a:rPr b="0" lang="en-US" sz="1400" spc="-1" strike="noStrike">
+              <a:rPr b="0" lang="en-US" sz="1600" spc="-1" strike="noStrike">
                 <a:solidFill>
                   <a:srgbClr val="000000"/>
                 </a:solidFill>
@@ -24090,7 +25110,7 @@
               </a:rPr>
               <a:t>Click to edit the outline text format</a:t>
             </a:r>
-            <a:endParaRPr b="0" lang="en-US" sz="1400" spc="-1" strike="noStrike">
+            <a:endParaRPr b="0" lang="en-US" sz="1600" spc="-1" strike="noStrike">
               <a:solidFill>
                 <a:srgbClr val="000000"/>
               </a:solidFill>
@@ -24110,7 +25130,7 @@
               <a:buChar char=""/>
             </a:pPr>
             <a:r>
-              <a:rPr b="0" lang="en-US" sz="1400" spc="-1" strike="noStrike">
+              <a:rPr b="0" lang="en-US" sz="1600" spc="-1" strike="noStrike">
                 <a:solidFill>
                   <a:srgbClr val="000000"/>
                 </a:solidFill>
@@ -24118,7 +25138,7 @@
               </a:rPr>
               <a:t>Second Outline Level</a:t>
             </a:r>
-            <a:endParaRPr b="0" lang="en-US" sz="1400" spc="-1" strike="noStrike">
+            <a:endParaRPr b="0" lang="en-US" sz="1600" spc="-1" strike="noStrike">
               <a:solidFill>
                 <a:srgbClr val="000000"/>
               </a:solidFill>
@@ -24138,7 +25158,7 @@
               <a:buChar char=""/>
             </a:pPr>
             <a:r>
-              <a:rPr b="0" lang="en-US" sz="1400" spc="-1" strike="noStrike">
+              <a:rPr b="0" lang="en-US" sz="1600" spc="-1" strike="noStrike">
                 <a:solidFill>
                   <a:srgbClr val="000000"/>
                 </a:solidFill>
@@ -24146,7 +25166,7 @@
               </a:rPr>
               <a:t>Third Outline Level</a:t>
             </a:r>
-            <a:endParaRPr b="0" lang="en-US" sz="1400" spc="-1" strike="noStrike">
+            <a:endParaRPr b="0" lang="en-US" sz="1600" spc="-1" strike="noStrike">
               <a:solidFill>
                 <a:srgbClr val="000000"/>
               </a:solidFill>
@@ -24166,7 +25186,7 @@
               <a:buChar char=""/>
             </a:pPr>
             <a:r>
-              <a:rPr b="0" lang="en-US" sz="1400" spc="-1" strike="noStrike">
+              <a:rPr b="0" lang="en-US" sz="1600" spc="-1" strike="noStrike">
                 <a:solidFill>
                   <a:srgbClr val="000000"/>
                 </a:solidFill>
@@ -24174,7 +25194,7 @@
               </a:rPr>
               <a:t>Fourth Outline Level</a:t>
             </a:r>
-            <a:endParaRPr b="0" lang="en-US" sz="1400" spc="-1" strike="noStrike">
+            <a:endParaRPr b="0" lang="en-US" sz="1600" spc="-1" strike="noStrike">
               <a:solidFill>
                 <a:srgbClr val="000000"/>
               </a:solidFill>
@@ -24194,7 +25214,7 @@
               <a:buChar char=""/>
             </a:pPr>
             <a:r>
-              <a:rPr b="0" lang="en-US" sz="2000" spc="-1" strike="noStrike">
+              <a:rPr b="0" lang="en-US" sz="1600" spc="-1" strike="noStrike">
                 <a:solidFill>
                   <a:srgbClr val="000000"/>
                 </a:solidFill>
@@ -24202,7 +25222,7 @@
               </a:rPr>
               <a:t>Fifth Outline Level</a:t>
             </a:r>
-            <a:endParaRPr b="0" lang="en-US" sz="2000" spc="-1" strike="noStrike">
+            <a:endParaRPr b="0" lang="en-US" sz="1600" spc="-1" strike="noStrike">
               <a:solidFill>
                 <a:srgbClr val="000000"/>
               </a:solidFill>
@@ -24222,7 +25242,7 @@
               <a:buChar char=""/>
             </a:pPr>
             <a:r>
-              <a:rPr b="0" lang="en-US" sz="2000" spc="-1" strike="noStrike">
+              <a:rPr b="0" lang="en-US" sz="1600" spc="-1" strike="noStrike">
                 <a:solidFill>
                   <a:srgbClr val="000000"/>
                 </a:solidFill>
@@ -24230,7 +25250,7 @@
               </a:rPr>
               <a:t>Sixth Outline Level</a:t>
             </a:r>
-            <a:endParaRPr b="0" lang="en-US" sz="2000" spc="-1" strike="noStrike">
+            <a:endParaRPr b="0" lang="en-US" sz="1600" spc="-1" strike="noStrike">
               <a:solidFill>
                 <a:srgbClr val="000000"/>
               </a:solidFill>
@@ -24250,7 +25270,7 @@
               <a:buChar char=""/>
             </a:pPr>
             <a:r>
-              <a:rPr b="0" lang="en-US" sz="2000" spc="-1" strike="noStrike">
+              <a:rPr b="0" lang="en-US" sz="1600" spc="-1" strike="noStrike">
                 <a:solidFill>
                   <a:srgbClr val="000000"/>
                 </a:solidFill>
@@ -24258,7 +25278,7 @@
               </a:rPr>
               <a:t>Seventh Outline Level</a:t>
             </a:r>
-            <a:endParaRPr b="0" lang="en-US" sz="2000" spc="-1" strike="noStrike">
+            <a:endParaRPr b="0" lang="en-US" sz="1600" spc="-1" strike="noStrike">
               <a:solidFill>
                 <a:srgbClr val="000000"/>
               </a:solidFill>
@@ -24287,9 +25307,7 @@
           </a:prstGeom>
         </p:spPr>
         <p:txBody>
-          <a:bodyPr lIns="0" rIns="0" tIns="0" bIns="0">
-            <a:normAutofit/>
-          </a:bodyPr>
+          <a:bodyPr lIns="0" rIns="0" tIns="0" bIns="0"/>
           <a:p>
             <a:pPr marL="432000" indent="-324000">
               <a:spcBef>
@@ -24303,7 +25321,7 @@
               <a:buChar char=""/>
             </a:pPr>
             <a:r>
-              <a:rPr b="0" lang="en-US" sz="1400" spc="-1" strike="noStrike">
+              <a:rPr b="0" lang="en-US" sz="1600" spc="-1" strike="noStrike">
                 <a:solidFill>
                   <a:srgbClr val="000000"/>
                 </a:solidFill>
@@ -24311,7 +25329,7 @@
               </a:rPr>
               <a:t>Click to edit the outline text format</a:t>
             </a:r>
-            <a:endParaRPr b="0" lang="en-US" sz="1400" spc="-1" strike="noStrike">
+            <a:endParaRPr b="0" lang="en-US" sz="1600" spc="-1" strike="noStrike">
               <a:solidFill>
                 <a:srgbClr val="000000"/>
               </a:solidFill>
@@ -24331,7 +25349,7 @@
               <a:buChar char=""/>
             </a:pPr>
             <a:r>
-              <a:rPr b="0" lang="en-US" sz="1400" spc="-1" strike="noStrike">
+              <a:rPr b="0" lang="en-US" sz="1600" spc="-1" strike="noStrike">
                 <a:solidFill>
                   <a:srgbClr val="000000"/>
                 </a:solidFill>
@@ -24339,7 +25357,7 @@
               </a:rPr>
               <a:t>Second Outline Level</a:t>
             </a:r>
-            <a:endParaRPr b="0" lang="en-US" sz="1400" spc="-1" strike="noStrike">
+            <a:endParaRPr b="0" lang="en-US" sz="1600" spc="-1" strike="noStrike">
               <a:solidFill>
                 <a:srgbClr val="000000"/>
               </a:solidFill>
@@ -24359,7 +25377,7 @@
               <a:buChar char=""/>
             </a:pPr>
             <a:r>
-              <a:rPr b="0" lang="en-US" sz="1400" spc="-1" strike="noStrike">
+              <a:rPr b="0" lang="en-US" sz="1600" spc="-1" strike="noStrike">
                 <a:solidFill>
                   <a:srgbClr val="000000"/>
                 </a:solidFill>
@@ -24367,7 +25385,7 @@
               </a:rPr>
               <a:t>Third Outline Level</a:t>
             </a:r>
-            <a:endParaRPr b="0" lang="en-US" sz="1400" spc="-1" strike="noStrike">
+            <a:endParaRPr b="0" lang="en-US" sz="1600" spc="-1" strike="noStrike">
               <a:solidFill>
                 <a:srgbClr val="000000"/>
               </a:solidFill>
@@ -24387,7 +25405,7 @@
               <a:buChar char=""/>
             </a:pPr>
             <a:r>
-              <a:rPr b="0" lang="en-US" sz="1400" spc="-1" strike="noStrike">
+              <a:rPr b="0" lang="en-US" sz="1600" spc="-1" strike="noStrike">
                 <a:solidFill>
                   <a:srgbClr val="000000"/>
                 </a:solidFill>
@@ -24395,7 +25413,7 @@
               </a:rPr>
               <a:t>Fourth Outline Level</a:t>
             </a:r>
-            <a:endParaRPr b="0" lang="en-US" sz="1400" spc="-1" strike="noStrike">
+            <a:endParaRPr b="0" lang="en-US" sz="1600" spc="-1" strike="noStrike">
               <a:solidFill>
                 <a:srgbClr val="000000"/>
               </a:solidFill>
@@ -24415,7 +25433,7 @@
               <a:buChar char=""/>
             </a:pPr>
             <a:r>
-              <a:rPr b="0" lang="en-US" sz="2000" spc="-1" strike="noStrike">
+              <a:rPr b="0" lang="en-US" sz="1600" spc="-1" strike="noStrike">
                 <a:solidFill>
                   <a:srgbClr val="000000"/>
                 </a:solidFill>
@@ -24423,7 +25441,7 @@
               </a:rPr>
               <a:t>Fifth Outline Level</a:t>
             </a:r>
-            <a:endParaRPr b="0" lang="en-US" sz="2000" spc="-1" strike="noStrike">
+            <a:endParaRPr b="0" lang="en-US" sz="1600" spc="-1" strike="noStrike">
               <a:solidFill>
                 <a:srgbClr val="000000"/>
               </a:solidFill>
@@ -24443,7 +25461,7 @@
               <a:buChar char=""/>
             </a:pPr>
             <a:r>
-              <a:rPr b="0" lang="en-US" sz="2000" spc="-1" strike="noStrike">
+              <a:rPr b="0" lang="en-US" sz="1600" spc="-1" strike="noStrike">
                 <a:solidFill>
                   <a:srgbClr val="000000"/>
                 </a:solidFill>
@@ -24451,7 +25469,7 @@
               </a:rPr>
               <a:t>Sixth Outline Level</a:t>
             </a:r>
-            <a:endParaRPr b="0" lang="en-US" sz="2000" spc="-1" strike="noStrike">
+            <a:endParaRPr b="0" lang="en-US" sz="1600" spc="-1" strike="noStrike">
               <a:solidFill>
                 <a:srgbClr val="000000"/>
               </a:solidFill>
@@ -24471,7 +25489,7 @@
               <a:buChar char=""/>
             </a:pPr>
             <a:r>
-              <a:rPr b="0" lang="en-US" sz="2000" spc="-1" strike="noStrike">
+              <a:rPr b="0" lang="en-US" sz="1600" spc="-1" strike="noStrike">
                 <a:solidFill>
                   <a:srgbClr val="000000"/>
                 </a:solidFill>
@@ -24479,7 +25497,7 @@
               </a:rPr>
               <a:t>Seventh Outline Level</a:t>
             </a:r>
-            <a:endParaRPr b="0" lang="en-US" sz="2000" spc="-1" strike="noStrike">
+            <a:endParaRPr b="0" lang="en-US" sz="1600" spc="-1" strike="noStrike">
               <a:solidFill>
                 <a:srgbClr val="000000"/>
               </a:solidFill>
@@ -24515,7 +25533,7 @@
                 <a:spcPct val="100000"/>
               </a:lnSpc>
             </a:pPr>
-            <a:fld id="{0E3308D7-9C79-4384-8DF9-6865038D3BEC}" type="slidenum">
+            <a:fld id="{702274D6-0252-4877-8C9D-6589C190A5EE}" type="slidenum">
               <a:rPr b="0" lang="en-US" sz="1300" spc="-1" strike="noStrike">
                 <a:solidFill>
                   <a:srgbClr val="a7d86d"/>
@@ -24625,7 +25643,7 @@
                 <a:spcPct val="100000"/>
               </a:lnSpc>
             </a:pPr>
-            <a:fld id="{FC053C97-B469-4A1E-87F2-635E32DE7D34}" type="slidenum">
+            <a:fld id="{403CA349-A3C0-453E-A068-031B6104FBDC}" type="slidenum">
               <a:rPr b="0" lang="en-US" sz="1300" spc="-1" strike="noStrike">
                 <a:solidFill>
                   <a:srgbClr val="a7d86d"/>
@@ -24989,10 +26007,10 @@
           </a:prstGeom>
         </p:spPr>
         <p:txBody>
-          <a:bodyPr lIns="0" rIns="0" tIns="0" bIns="0" anchor="ctr"/>
+          <a:bodyPr lIns="0" rIns="0" tIns="0" bIns="0" anchor="b"/>
           <a:p>
             <a:r>
-              <a:rPr b="0" lang="en-US" sz="1400" spc="-1" strike="noStrike">
+              <a:rPr b="0" lang="en-US" sz="4800" spc="-1" strike="noStrike">
                 <a:solidFill>
                   <a:srgbClr val="000000"/>
                 </a:solidFill>
@@ -25000,7 +26018,7 @@
               </a:rPr>
               <a:t>Click to edit the title text format</a:t>
             </a:r>
-            <a:endParaRPr b="0" lang="en-US" sz="1400" spc="-1" strike="noStrike">
+            <a:endParaRPr b="0" lang="en-US" sz="4800" spc="-1" strike="noStrike">
               <a:solidFill>
                 <a:srgbClr val="000000"/>
               </a:solidFill>
@@ -25317,9 +26335,7 @@
           </a:prstGeom>
         </p:spPr>
         <p:txBody>
-          <a:bodyPr lIns="0" rIns="0" tIns="0" bIns="0">
-            <a:normAutofit/>
-          </a:bodyPr>
+          <a:bodyPr lIns="0" rIns="0" tIns="0" bIns="0"/>
           <a:p>
             <a:pPr marL="432000" indent="-324000">
               <a:spcBef>
@@ -25333,7 +26349,7 @@
               <a:buChar char=""/>
             </a:pPr>
             <a:r>
-              <a:rPr b="0" lang="en-US" sz="1400" spc="-1" strike="noStrike">
+              <a:rPr b="0" lang="en-US" sz="3200" spc="-1" strike="noStrike">
                 <a:solidFill>
                   <a:srgbClr val="000000"/>
                 </a:solidFill>
@@ -25341,7 +26357,7 @@
               </a:rPr>
               <a:t>Click to edit the outline text format</a:t>
             </a:r>
-            <a:endParaRPr b="0" lang="en-US" sz="1400" spc="-1" strike="noStrike">
+            <a:endParaRPr b="0" lang="en-US" sz="3200" spc="-1" strike="noStrike">
               <a:solidFill>
                 <a:srgbClr val="000000"/>
               </a:solidFill>
@@ -25361,7 +26377,7 @@
               <a:buChar char=""/>
             </a:pPr>
             <a:r>
-              <a:rPr b="0" lang="en-US" sz="1400" spc="-1" strike="noStrike">
+              <a:rPr b="0" lang="en-US" sz="3200" spc="-1" strike="noStrike">
                 <a:solidFill>
                   <a:srgbClr val="000000"/>
                 </a:solidFill>
@@ -25369,7 +26385,7 @@
               </a:rPr>
               <a:t>Second Outline Level</a:t>
             </a:r>
-            <a:endParaRPr b="0" lang="en-US" sz="1400" spc="-1" strike="noStrike">
+            <a:endParaRPr b="0" lang="en-US" sz="3200" spc="-1" strike="noStrike">
               <a:solidFill>
                 <a:srgbClr val="000000"/>
               </a:solidFill>
@@ -25389,7 +26405,7 @@
               <a:buChar char=""/>
             </a:pPr>
             <a:r>
-              <a:rPr b="0" lang="en-US" sz="1400" spc="-1" strike="noStrike">
+              <a:rPr b="0" lang="en-US" sz="3200" spc="-1" strike="noStrike">
                 <a:solidFill>
                   <a:srgbClr val="000000"/>
                 </a:solidFill>
@@ -25397,7 +26413,7 @@
               </a:rPr>
               <a:t>Third Outline Level</a:t>
             </a:r>
-            <a:endParaRPr b="0" lang="en-US" sz="1400" spc="-1" strike="noStrike">
+            <a:endParaRPr b="0" lang="en-US" sz="3200" spc="-1" strike="noStrike">
               <a:solidFill>
                 <a:srgbClr val="000000"/>
               </a:solidFill>
@@ -25417,7 +26433,7 @@
               <a:buChar char=""/>
             </a:pPr>
             <a:r>
-              <a:rPr b="0" lang="en-US" sz="1400" spc="-1" strike="noStrike">
+              <a:rPr b="0" lang="en-US" sz="3200" spc="-1" strike="noStrike">
                 <a:solidFill>
                   <a:srgbClr val="000000"/>
                 </a:solidFill>
@@ -25425,7 +26441,7 @@
               </a:rPr>
               <a:t>Fourth Outline Level</a:t>
             </a:r>
-            <a:endParaRPr b="0" lang="en-US" sz="1400" spc="-1" strike="noStrike">
+            <a:endParaRPr b="0" lang="en-US" sz="3200" spc="-1" strike="noStrike">
               <a:solidFill>
                 <a:srgbClr val="000000"/>
               </a:solidFill>
@@ -25445,7 +26461,7 @@
               <a:buChar char=""/>
             </a:pPr>
             <a:r>
-              <a:rPr b="0" lang="en-US" sz="2000" spc="-1" strike="noStrike">
+              <a:rPr b="0" lang="en-US" sz="3200" spc="-1" strike="noStrike">
                 <a:solidFill>
                   <a:srgbClr val="000000"/>
                 </a:solidFill>
@@ -25453,7 +26469,7 @@
               </a:rPr>
               <a:t>Fifth Outline Level</a:t>
             </a:r>
-            <a:endParaRPr b="0" lang="en-US" sz="2000" spc="-1" strike="noStrike">
+            <a:endParaRPr b="0" lang="en-US" sz="3200" spc="-1" strike="noStrike">
               <a:solidFill>
                 <a:srgbClr val="000000"/>
               </a:solidFill>
@@ -25473,7 +26489,7 @@
               <a:buChar char=""/>
             </a:pPr>
             <a:r>
-              <a:rPr b="0" lang="en-US" sz="2000" spc="-1" strike="noStrike">
+              <a:rPr b="0" lang="en-US" sz="3200" spc="-1" strike="noStrike">
                 <a:solidFill>
                   <a:srgbClr val="000000"/>
                 </a:solidFill>
@@ -25481,7 +26497,7 @@
               </a:rPr>
               <a:t>Sixth Outline Level</a:t>
             </a:r>
-            <a:endParaRPr b="0" lang="en-US" sz="2000" spc="-1" strike="noStrike">
+            <a:endParaRPr b="0" lang="en-US" sz="3200" spc="-1" strike="noStrike">
               <a:solidFill>
                 <a:srgbClr val="000000"/>
               </a:solidFill>
@@ -25501,7 +26517,7 @@
               <a:buChar char=""/>
             </a:pPr>
             <a:r>
-              <a:rPr b="0" lang="en-US" sz="2000" spc="-1" strike="noStrike">
+              <a:rPr b="0" lang="en-US" sz="3200" spc="-1" strike="noStrike">
                 <a:solidFill>
                   <a:srgbClr val="000000"/>
                 </a:solidFill>
@@ -25509,7 +26525,7 @@
               </a:rPr>
               <a:t>Seventh Outline Level</a:t>
             </a:r>
-            <a:endParaRPr b="0" lang="en-US" sz="2000" spc="-1" strike="noStrike">
+            <a:endParaRPr b="0" lang="en-US" sz="3200" spc="-1" strike="noStrike">
               <a:solidFill>
                 <a:srgbClr val="000000"/>
               </a:solidFill>
@@ -25594,7 +26610,7 @@
                 <a:spcPct val="100000"/>
               </a:lnSpc>
             </a:pPr>
-            <a:fld id="{67B10E37-BE20-4427-A3CF-841F4674088A}" type="slidenum">
+            <a:fld id="{0181811A-0ACA-4889-B460-6C9FE02CDF3F}" type="slidenum">
               <a:rPr b="0" lang="en-US" sz="1300" spc="-1" strike="noStrike">
                 <a:solidFill>
                   <a:srgbClr val="a7d86d"/>
@@ -25639,7 +26655,106 @@
                 </a:solidFill>
                 <a:latin typeface="Arial"/>
               </a:rPr>
-              <a:t>Click to edit the title text format</a:t>
+              <a:t>Cli</a:t>
+            </a:r>
+            <a:r>
+              <a:rPr b="0" lang="en-US" sz="1400" spc="-1" strike="noStrike">
+                <a:solidFill>
+                  <a:srgbClr val="000000"/>
+                </a:solidFill>
+                <a:latin typeface="Arial"/>
+              </a:rPr>
+              <a:t>ck </a:t>
+            </a:r>
+            <a:r>
+              <a:rPr b="0" lang="en-US" sz="1400" spc="-1" strike="noStrike">
+                <a:solidFill>
+                  <a:srgbClr val="000000"/>
+                </a:solidFill>
+                <a:latin typeface="Arial"/>
+              </a:rPr>
+              <a:t>to </a:t>
+            </a:r>
+            <a:r>
+              <a:rPr b="0" lang="en-US" sz="1400" spc="-1" strike="noStrike">
+                <a:solidFill>
+                  <a:srgbClr val="000000"/>
+                </a:solidFill>
+                <a:latin typeface="Arial"/>
+              </a:rPr>
+              <a:t>edi</a:t>
+            </a:r>
+            <a:r>
+              <a:rPr b="0" lang="en-US" sz="1400" spc="-1" strike="noStrike">
+                <a:solidFill>
+                  <a:srgbClr val="000000"/>
+                </a:solidFill>
+                <a:latin typeface="Arial"/>
+              </a:rPr>
+              <a:t>t </a:t>
+            </a:r>
+            <a:r>
+              <a:rPr b="0" lang="en-US" sz="1400" spc="-1" strike="noStrike">
+                <a:solidFill>
+                  <a:srgbClr val="000000"/>
+                </a:solidFill>
+                <a:latin typeface="Arial"/>
+              </a:rPr>
+              <a:t>the </a:t>
+            </a:r>
+            <a:r>
+              <a:rPr b="0" lang="en-US" sz="1400" spc="-1" strike="noStrike">
+                <a:solidFill>
+                  <a:srgbClr val="000000"/>
+                </a:solidFill>
+                <a:latin typeface="Arial"/>
+              </a:rPr>
+              <a:t>title </a:t>
+            </a:r>
+            <a:r>
+              <a:rPr b="0" lang="en-US" sz="1400" spc="-1" strike="noStrike">
+                <a:solidFill>
+                  <a:srgbClr val="000000"/>
+                </a:solidFill>
+                <a:latin typeface="Arial"/>
+              </a:rPr>
+              <a:t>tex</a:t>
+            </a:r>
+            <a:r>
+              <a:rPr b="0" lang="en-US" sz="1400" spc="-1" strike="noStrike">
+                <a:solidFill>
+                  <a:srgbClr val="000000"/>
+                </a:solidFill>
+                <a:latin typeface="Arial"/>
+              </a:rPr>
+              <a:t>t </a:t>
+            </a:r>
+            <a:r>
+              <a:rPr b="0" lang="en-US" sz="1400" spc="-1" strike="noStrike">
+                <a:solidFill>
+                  <a:srgbClr val="000000"/>
+                </a:solidFill>
+                <a:latin typeface="Arial"/>
+              </a:rPr>
+              <a:t>for</a:t>
+            </a:r>
+            <a:r>
+              <a:rPr b="0" lang="en-US" sz="1400" spc="-1" strike="noStrike">
+                <a:solidFill>
+                  <a:srgbClr val="000000"/>
+                </a:solidFill>
+                <a:latin typeface="Arial"/>
+              </a:rPr>
+              <a:t>ma</a:t>
+            </a:r>
+            <a:r>
+              <a:rPr b="0" lang="en-US" sz="1400" spc="-1" strike="noStrike">
+                <a:solidFill>
+                  <a:srgbClr val="000000"/>
+                </a:solidFill>
+                <a:latin typeface="Arial"/>
+              </a:rPr>
+              <a:t>t</a:t>
             </a:r>
             <a:endParaRPr b="0" lang="en-US" sz="1400" spc="-1" strike="noStrike">
               <a:solidFill>
@@ -25737,10 +26852,10 @@
           </a:prstGeom>
         </p:spPr>
         <p:txBody>
-          <a:bodyPr lIns="0" rIns="0" tIns="0" bIns="0" anchor="ctr"/>
+          <a:bodyPr lIns="0" rIns="0" tIns="0" bIns="0" anchor="b"/>
           <a:p>
             <a:r>
-              <a:rPr b="0" lang="en-US" sz="1400" spc="-1" strike="noStrike">
+              <a:rPr b="0" lang="en-US" sz="4800" spc="-1" strike="noStrike">
                 <a:solidFill>
                   <a:srgbClr val="000000"/>
                 </a:solidFill>
@@ -25748,7 +26863,7 @@
               </a:rPr>
               <a:t>Click to edit the title text format</a:t>
             </a:r>
-            <a:endParaRPr b="0" lang="en-US" sz="1400" spc="-1" strike="noStrike">
+            <a:endParaRPr b="0" lang="en-US" sz="4800" spc="-1" strike="noStrike">
               <a:solidFill>
                 <a:srgbClr val="000000"/>
               </a:solidFill>
@@ -25777,9 +26892,7 @@
           </a:prstGeom>
         </p:spPr>
         <p:txBody>
-          <a:bodyPr lIns="0" rIns="0" tIns="0" bIns="0">
-            <a:normAutofit/>
-          </a:bodyPr>
+          <a:bodyPr lIns="0" rIns="0" tIns="0" bIns="0"/>
           <a:p>
             <a:pPr marL="432000" indent="-324000">
               <a:spcBef>
@@ -25793,7 +26906,7 @@
               <a:buChar char=""/>
             </a:pPr>
             <a:r>
-              <a:rPr b="0" lang="en-US" sz="1400" spc="-1" strike="noStrike">
+              <a:rPr b="0" lang="en-US" sz="2200" spc="-1" strike="noStrike">
                 <a:solidFill>
                   <a:srgbClr val="000000"/>
                 </a:solidFill>
@@ -25801,7 +26914,7 @@
               </a:rPr>
               <a:t>Click to edit the outline text format</a:t>
             </a:r>
-            <a:endParaRPr b="0" lang="en-US" sz="1400" spc="-1" strike="noStrike">
+            <a:endParaRPr b="0" lang="en-US" sz="2200" spc="-1" strike="noStrike">
               <a:solidFill>
                 <a:srgbClr val="000000"/>
               </a:solidFill>
@@ -25821,7 +26934,7 @@
               <a:buChar char=""/>
             </a:pPr>
             <a:r>
-              <a:rPr b="0" lang="en-US" sz="1400" spc="-1" strike="noStrike">
+              <a:rPr b="0" lang="en-US" sz="2200" spc="-1" strike="noStrike">
                 <a:solidFill>
                   <a:srgbClr val="000000"/>
                 </a:solidFill>
@@ -25829,7 +26942,7 @@
               </a:rPr>
               <a:t>Second Outline Level</a:t>
             </a:r>
-            <a:endParaRPr b="0" lang="en-US" sz="1400" spc="-1" strike="noStrike">
+            <a:endParaRPr b="0" lang="en-US" sz="2200" spc="-1" strike="noStrike">
               <a:solidFill>
                 <a:srgbClr val="000000"/>
               </a:solidFill>
@@ -25849,7 +26962,7 @@
               <a:buChar char=""/>
             </a:pPr>
             <a:r>
-              <a:rPr b="0" lang="en-US" sz="1400" spc="-1" strike="noStrike">
+              <a:rPr b="0" lang="en-US" sz="2200" spc="-1" strike="noStrike">
                 <a:solidFill>
                   <a:srgbClr val="000000"/>
                 </a:solidFill>
@@ -25857,7 +26970,7 @@
               </a:rPr>
               <a:t>Third Outline Level</a:t>
             </a:r>
-            <a:endParaRPr b="0" lang="en-US" sz="1400" spc="-1" strike="noStrike">
+            <a:endParaRPr b="0" lang="en-US" sz="2200" spc="-1" strike="noStrike">
               <a:solidFill>
                 <a:srgbClr val="000000"/>
               </a:solidFill>
@@ -25877,7 +26990,7 @@
               <a:buChar char=""/>
             </a:pPr>
             <a:r>
-              <a:rPr b="0" lang="en-US" sz="1400" spc="-1" strike="noStrike">
+              <a:rPr b="0" lang="en-US" sz="2200" spc="-1" strike="noStrike">
                 <a:solidFill>
                   <a:srgbClr val="000000"/>
                 </a:solidFill>
@@ -25885,7 +26998,7 @@
               </a:rPr>
               <a:t>Fourth Outline Level</a:t>
             </a:r>
-            <a:endParaRPr b="0" lang="en-US" sz="1400" spc="-1" strike="noStrike">
+            <a:endParaRPr b="0" lang="en-US" sz="2200" spc="-1" strike="noStrike">
               <a:solidFill>
                 <a:srgbClr val="000000"/>
               </a:solidFill>
@@ -25905,7 +27018,7 @@
               <a:buChar char=""/>
             </a:pPr>
             <a:r>
-              <a:rPr b="0" lang="en-US" sz="2000" spc="-1" strike="noStrike">
+              <a:rPr b="0" lang="en-US" sz="2200" spc="-1" strike="noStrike">
                 <a:solidFill>
                   <a:srgbClr val="000000"/>
                 </a:solidFill>
@@ -25913,7 +27026,7 @@
               </a:rPr>
               <a:t>Fifth Outline Level</a:t>
             </a:r>
-            <a:endParaRPr b="0" lang="en-US" sz="2000" spc="-1" strike="noStrike">
+            <a:endParaRPr b="0" lang="en-US" sz="2200" spc="-1" strike="noStrike">
               <a:solidFill>
                 <a:srgbClr val="000000"/>
               </a:solidFill>
@@ -25933,7 +27046,7 @@
               <a:buChar char=""/>
             </a:pPr>
             <a:r>
-              <a:rPr b="0" lang="en-US" sz="2000" spc="-1" strike="noStrike">
+              <a:rPr b="0" lang="en-US" sz="2200" spc="-1" strike="noStrike">
                 <a:solidFill>
                   <a:srgbClr val="000000"/>
                 </a:solidFill>
@@ -25941,7 +27054,7 @@
               </a:rPr>
               <a:t>Sixth Outline Level</a:t>
             </a:r>
-            <a:endParaRPr b="0" lang="en-US" sz="2000" spc="-1" strike="noStrike">
+            <a:endParaRPr b="0" lang="en-US" sz="2200" spc="-1" strike="noStrike">
               <a:solidFill>
                 <a:srgbClr val="000000"/>
               </a:solidFill>
@@ -25961,7 +27074,7 @@
               <a:buChar char=""/>
             </a:pPr>
             <a:r>
-              <a:rPr b="0" lang="en-US" sz="2000" spc="-1" strike="noStrike">
+              <a:rPr b="0" lang="en-US" sz="2200" spc="-1" strike="noStrike">
                 <a:solidFill>
                   <a:srgbClr val="000000"/>
                 </a:solidFill>
@@ -25969,7 +27082,7 @@
               </a:rPr>
               <a:t>Seventh Outline Level</a:t>
             </a:r>
-            <a:endParaRPr b="0" lang="en-US" sz="2000" spc="-1" strike="noStrike">
+            <a:endParaRPr b="0" lang="en-US" sz="2200" spc="-1" strike="noStrike">
               <a:solidFill>
                 <a:srgbClr val="000000"/>
               </a:solidFill>
@@ -26005,7 +27118,7 @@
                 <a:spcPct val="100000"/>
               </a:lnSpc>
             </a:pPr>
-            <a:fld id="{3EAB8CAB-BE66-43C9-AD98-3AF6475C1CB5}" type="slidenum">
+            <a:fld id="{CF246174-B654-41F6-854D-A554D249DA18}" type="slidenum">
               <a:rPr b="0" lang="en-US" sz="1300" spc="-1" strike="noStrike">
                 <a:solidFill>
                   <a:srgbClr val="a7d86d"/>
@@ -26092,7 +27205,7 @@
                 <a:spcPct val="100000"/>
               </a:lnSpc>
             </a:pPr>
-            <a:fld id="{BC529C14-88C0-4E43-AE2B-5C61646B44E3}" type="slidenum">
+            <a:fld id="{C4FC662B-B2BF-4897-8E28-C7EBDB6FC689}" type="slidenum">
               <a:rPr b="0" lang="en-US" sz="1300" spc="-1" strike="noStrike">
                 <a:solidFill>
                   <a:srgbClr val="a7d86d"/>
@@ -26433,10 +27546,10 @@
           </a:prstGeom>
         </p:spPr>
         <p:txBody>
-          <a:bodyPr lIns="0" rIns="0" tIns="0" bIns="0" anchor="ctr"/>
+          <a:bodyPr lIns="0" rIns="0" tIns="0" bIns="0" anchor="b"/>
           <a:p>
             <a:r>
-              <a:rPr b="0" lang="en-US" sz="1400" spc="-1" strike="noStrike">
+              <a:rPr b="0" lang="en-US" sz="4800" spc="-1" strike="noStrike">
                 <a:solidFill>
                   <a:srgbClr val="000000"/>
                 </a:solidFill>
@@ -26444,7 +27557,7 @@
               </a:rPr>
               <a:t>Click to edit the title text format</a:t>
             </a:r>
-            <a:endParaRPr b="0" lang="en-US" sz="1400" spc="-1" strike="noStrike">
+            <a:endParaRPr b="0" lang="en-US" sz="4800" spc="-1" strike="noStrike">
               <a:solidFill>
                 <a:srgbClr val="000000"/>
               </a:solidFill>
@@ -26473,9 +27586,7 @@
           </a:prstGeom>
         </p:spPr>
         <p:txBody>
-          <a:bodyPr lIns="0" rIns="0" tIns="0" bIns="0">
-            <a:normAutofit/>
-          </a:bodyPr>
+          <a:bodyPr lIns="0" rIns="0" tIns="0" bIns="0"/>
           <a:p>
             <a:pPr marL="432000" indent="-324000">
               <a:spcBef>
@@ -26489,7 +27600,7 @@
               <a:buChar char=""/>
             </a:pPr>
             <a:r>
-              <a:rPr b="0" lang="en-US" sz="1400" spc="-1" strike="noStrike">
+              <a:rPr b="0" lang="en-US" sz="1600" spc="-1" strike="noStrike">
                 <a:solidFill>
                   <a:srgbClr val="000000"/>
                 </a:solidFill>
@@ -26497,7 +27608,7 @@
               </a:rPr>
               <a:t>Click to edit the outline text format</a:t>
             </a:r>
-            <a:endParaRPr b="0" lang="en-US" sz="1400" spc="-1" strike="noStrike">
+            <a:endParaRPr b="0" lang="en-US" sz="1600" spc="-1" strike="noStrike">
               <a:solidFill>
                 <a:srgbClr val="000000"/>
               </a:solidFill>
@@ -26517,7 +27628,7 @@
               <a:buChar char=""/>
             </a:pPr>
             <a:r>
-              <a:rPr b="0" lang="en-US" sz="1400" spc="-1" strike="noStrike">
+              <a:rPr b="0" lang="en-US" sz="1600" spc="-1" strike="noStrike">
                 <a:solidFill>
                   <a:srgbClr val="000000"/>
                 </a:solidFill>
@@ -26525,7 +27636,7 @@
               </a:rPr>
               <a:t>Second Outline Level</a:t>
             </a:r>
-            <a:endParaRPr b="0" lang="en-US" sz="1400" spc="-1" strike="noStrike">
+            <a:endParaRPr b="0" lang="en-US" sz="1600" spc="-1" strike="noStrike">
               <a:solidFill>
                 <a:srgbClr val="000000"/>
               </a:solidFill>
@@ -26545,7 +27656,7 @@
               <a:buChar char=""/>
             </a:pPr>
             <a:r>
-              <a:rPr b="0" lang="en-US" sz="1400" spc="-1" strike="noStrike">
+              <a:rPr b="0" lang="en-US" sz="1600" spc="-1" strike="noStrike">
                 <a:solidFill>
                   <a:srgbClr val="000000"/>
                 </a:solidFill>
@@ -26553,7 +27664,7 @@
               </a:rPr>
               <a:t>Third Outline Level</a:t>
             </a:r>
-            <a:endParaRPr b="0" lang="en-US" sz="1400" spc="-1" strike="noStrike">
+            <a:endParaRPr b="0" lang="en-US" sz="1600" spc="-1" strike="noStrike">
               <a:solidFill>
                 <a:srgbClr val="000000"/>
               </a:solidFill>
@@ -26573,7 +27684,7 @@
               <a:buChar char=""/>
             </a:pPr>
             <a:r>
-              <a:rPr b="0" lang="en-US" sz="1400" spc="-1" strike="noStrike">
+              <a:rPr b="0" lang="en-US" sz="1600" spc="-1" strike="noStrike">
                 <a:solidFill>
                   <a:srgbClr val="000000"/>
                 </a:solidFill>
@@ -26581,7 +27692,7 @@
               </a:rPr>
               <a:t>Fourth Outline Level</a:t>
             </a:r>
-            <a:endParaRPr b="0" lang="en-US" sz="1400" spc="-1" strike="noStrike">
+            <a:endParaRPr b="0" lang="en-US" sz="1600" spc="-1" strike="noStrike">
               <a:solidFill>
                 <a:srgbClr val="000000"/>
               </a:solidFill>
@@ -26601,7 +27712,7 @@
               <a:buChar char=""/>
             </a:pPr>
             <a:r>
-              <a:rPr b="0" lang="en-US" sz="2000" spc="-1" strike="noStrike">
+              <a:rPr b="0" lang="en-US" sz="1600" spc="-1" strike="noStrike">
                 <a:solidFill>
                   <a:srgbClr val="000000"/>
                 </a:solidFill>
@@ -26609,7 +27720,7 @@
               </a:rPr>
               <a:t>Fifth Outline Level</a:t>
             </a:r>
-            <a:endParaRPr b="0" lang="en-US" sz="2000" spc="-1" strike="noStrike">
+            <a:endParaRPr b="0" lang="en-US" sz="1600" spc="-1" strike="noStrike">
               <a:solidFill>
                 <a:srgbClr val="000000"/>
               </a:solidFill>
@@ -26629,7 +27740,7 @@
               <a:buChar char=""/>
             </a:pPr>
             <a:r>
-              <a:rPr b="0" lang="en-US" sz="2000" spc="-1" strike="noStrike">
+              <a:rPr b="0" lang="en-US" sz="1600" spc="-1" strike="noStrike">
                 <a:solidFill>
                   <a:srgbClr val="000000"/>
                 </a:solidFill>
@@ -26637,7 +27748,7 @@
               </a:rPr>
               <a:t>Sixth Outline Level</a:t>
             </a:r>
-            <a:endParaRPr b="0" lang="en-US" sz="2000" spc="-1" strike="noStrike">
+            <a:endParaRPr b="0" lang="en-US" sz="1600" spc="-1" strike="noStrike">
               <a:solidFill>
                 <a:srgbClr val="000000"/>
               </a:solidFill>
@@ -26657,7 +27768,7 @@
               <a:buChar char=""/>
             </a:pPr>
             <a:r>
-              <a:rPr b="0" lang="en-US" sz="2000" spc="-1" strike="noStrike">
+              <a:rPr b="0" lang="en-US" sz="1600" spc="-1" strike="noStrike">
                 <a:solidFill>
                   <a:srgbClr val="000000"/>
                 </a:solidFill>
@@ -26665,7 +27776,7 @@
               </a:rPr>
               <a:t>Seventh Outline Level</a:t>
             </a:r>
-            <a:endParaRPr b="0" lang="en-US" sz="2000" spc="-1" strike="noStrike">
+            <a:endParaRPr b="0" lang="en-US" sz="1600" spc="-1" strike="noStrike">
               <a:solidFill>
                 <a:srgbClr val="000000"/>
               </a:solidFill>
@@ -26694,9 +27805,7 @@
           </a:prstGeom>
         </p:spPr>
         <p:txBody>
-          <a:bodyPr lIns="0" rIns="0" tIns="0" bIns="0">
-            <a:normAutofit/>
-          </a:bodyPr>
+          <a:bodyPr lIns="0" rIns="0" tIns="0" bIns="0"/>
           <a:p>
             <a:pPr marL="432000" indent="-324000">
               <a:spcBef>
@@ -26710,7 +27819,7 @@
               <a:buChar char=""/>
             </a:pPr>
             <a:r>
-              <a:rPr b="0" lang="en-US" sz="1400" spc="-1" strike="noStrike">
+              <a:rPr b="0" lang="en-US" sz="1600" spc="-1" strike="noStrike">
                 <a:solidFill>
                   <a:srgbClr val="000000"/>
                 </a:solidFill>
@@ -26718,7 +27827,7 @@
               </a:rPr>
               <a:t>Click to edit the outline text format</a:t>
             </a:r>
-            <a:endParaRPr b="0" lang="en-US" sz="1400" spc="-1" strike="noStrike">
+            <a:endParaRPr b="0" lang="en-US" sz="1600" spc="-1" strike="noStrike">
               <a:solidFill>
                 <a:srgbClr val="000000"/>
               </a:solidFill>
@@ -26738,7 +27847,7 @@
               <a:buChar char=""/>
             </a:pPr>
             <a:r>
-              <a:rPr b="0" lang="en-US" sz="1400" spc="-1" strike="noStrike">
+              <a:rPr b="0" lang="en-US" sz="1600" spc="-1" strike="noStrike">
                 <a:solidFill>
                   <a:srgbClr val="000000"/>
                 </a:solidFill>
@@ -26746,7 +27855,7 @@
               </a:rPr>
               <a:t>Second Outline Level</a:t>
             </a:r>
-            <a:endParaRPr b="0" lang="en-US" sz="1400" spc="-1" strike="noStrike">
+            <a:endParaRPr b="0" lang="en-US" sz="1600" spc="-1" strike="noStrike">
               <a:solidFill>
                 <a:srgbClr val="000000"/>
               </a:solidFill>
@@ -26766,7 +27875,7 @@
               <a:buChar char=""/>
             </a:pPr>
             <a:r>
-              <a:rPr b="0" lang="en-US" sz="1400" spc="-1" strike="noStrike">
+              <a:rPr b="0" lang="en-US" sz="1600" spc="-1" strike="noStrike">
                 <a:solidFill>
                   <a:srgbClr val="000000"/>
                 </a:solidFill>
@@ -26774,7 +27883,7 @@
               </a:rPr>
               <a:t>Third Outline Level</a:t>
             </a:r>
-            <a:endParaRPr b="0" lang="en-US" sz="1400" spc="-1" strike="noStrike">
+            <a:endParaRPr b="0" lang="en-US" sz="1600" spc="-1" strike="noStrike">
               <a:solidFill>
                 <a:srgbClr val="000000"/>
               </a:solidFill>
@@ -26794,7 +27903,7 @@
               <a:buChar char=""/>
             </a:pPr>
             <a:r>
-              <a:rPr b="0" lang="en-US" sz="1400" spc="-1" strike="noStrike">
+              <a:rPr b="0" lang="en-US" sz="1600" spc="-1" strike="noStrike">
                 <a:solidFill>
                   <a:srgbClr val="000000"/>
                 </a:solidFill>
@@ -26802,7 +27911,7 @@
               </a:rPr>
               <a:t>Fourth Outline Level</a:t>
             </a:r>
-            <a:endParaRPr b="0" lang="en-US" sz="1400" spc="-1" strike="noStrike">
+            <a:endParaRPr b="0" lang="en-US" sz="1600" spc="-1" strike="noStrike">
               <a:solidFill>
                 <a:srgbClr val="000000"/>
               </a:solidFill>
@@ -26822,7 +27931,7 @@
               <a:buChar char=""/>
             </a:pPr>
             <a:r>
-              <a:rPr b="0" lang="en-US" sz="2000" spc="-1" strike="noStrike">
+              <a:rPr b="0" lang="en-US" sz="1600" spc="-1" strike="noStrike">
                 <a:solidFill>
                   <a:srgbClr val="000000"/>
                 </a:solidFill>
@@ -26830,7 +27939,7 @@
               </a:rPr>
               <a:t>Fifth Outline Level</a:t>
             </a:r>
-            <a:endParaRPr b="0" lang="en-US" sz="2000" spc="-1" strike="noStrike">
+            <a:endParaRPr b="0" lang="en-US" sz="1600" spc="-1" strike="noStrike">
               <a:solidFill>
                 <a:srgbClr val="000000"/>
               </a:solidFill>
@@ -26850,7 +27959,7 @@
               <a:buChar char=""/>
             </a:pPr>
             <a:r>
-              <a:rPr b="0" lang="en-US" sz="2000" spc="-1" strike="noStrike">
+              <a:rPr b="0" lang="en-US" sz="1600" spc="-1" strike="noStrike">
                 <a:solidFill>
                   <a:srgbClr val="000000"/>
                 </a:solidFill>
@@ -26858,7 +27967,7 @@
               </a:rPr>
               <a:t>Sixth Outline Level</a:t>
             </a:r>
-            <a:endParaRPr b="0" lang="en-US" sz="2000" spc="-1" strike="noStrike">
+            <a:endParaRPr b="0" lang="en-US" sz="1600" spc="-1" strike="noStrike">
               <a:solidFill>
                 <a:srgbClr val="000000"/>
               </a:solidFill>
@@ -26878,7 +27987,7 @@
               <a:buChar char=""/>
             </a:pPr>
             <a:r>
-              <a:rPr b="0" lang="en-US" sz="2000" spc="-1" strike="noStrike">
+              <a:rPr b="0" lang="en-US" sz="1600" spc="-1" strike="noStrike">
                 <a:solidFill>
                   <a:srgbClr val="000000"/>
                 </a:solidFill>
@@ -26886,7 +27995,7 @@
               </a:rPr>
               <a:t>Seventh Outline Level</a:t>
             </a:r>
-            <a:endParaRPr b="0" lang="en-US" sz="2000" spc="-1" strike="noStrike">
+            <a:endParaRPr b="0" lang="en-US" sz="1600" spc="-1" strike="noStrike">
               <a:solidFill>
                 <a:srgbClr val="000000"/>
               </a:solidFill>
@@ -26915,9 +28024,7 @@
           </a:prstGeom>
         </p:spPr>
         <p:txBody>
-          <a:bodyPr lIns="0" rIns="0" tIns="0" bIns="0">
-            <a:normAutofit/>
-          </a:bodyPr>
+          <a:bodyPr lIns="0" rIns="0" tIns="0" bIns="0"/>
           <a:p>
             <a:pPr marL="432000" indent="-324000">
               <a:spcBef>
@@ -26931,7 +28038,7 @@
               <a:buChar char=""/>
             </a:pPr>
             <a:r>
-              <a:rPr b="0" lang="en-US" sz="1400" spc="-1" strike="noStrike">
+              <a:rPr b="0" lang="en-US" sz="1600" spc="-1" strike="noStrike">
                 <a:solidFill>
                   <a:srgbClr val="000000"/>
                 </a:solidFill>
@@ -26939,7 +28046,7 @@
               </a:rPr>
               <a:t>Click to edit the outline text format</a:t>
             </a:r>
-            <a:endParaRPr b="0" lang="en-US" sz="1400" spc="-1" strike="noStrike">
+            <a:endParaRPr b="0" lang="en-US" sz="1600" spc="-1" strike="noStrike">
               <a:solidFill>
                 <a:srgbClr val="000000"/>
               </a:solidFill>
@@ -26959,7 +28066,7 @@
               <a:buChar char=""/>
             </a:pPr>
             <a:r>
-              <a:rPr b="0" lang="en-US" sz="1400" spc="-1" strike="noStrike">
+              <a:rPr b="0" lang="en-US" sz="1600" spc="-1" strike="noStrike">
                 <a:solidFill>
                   <a:srgbClr val="000000"/>
                 </a:solidFill>
@@ -26967,7 +28074,7 @@
               </a:rPr>
               <a:t>Second Outline Level</a:t>
             </a:r>
-            <a:endParaRPr b="0" lang="en-US" sz="1400" spc="-1" strike="noStrike">
+            <a:endParaRPr b="0" lang="en-US" sz="1600" spc="-1" strike="noStrike">
               <a:solidFill>
                 <a:srgbClr val="000000"/>
               </a:solidFill>
@@ -26987,7 +28094,7 @@
               <a:buChar char=""/>
             </a:pPr>
             <a:r>
-              <a:rPr b="0" lang="en-US" sz="1400" spc="-1" strike="noStrike">
+              <a:rPr b="0" lang="en-US" sz="1600" spc="-1" strike="noStrike">
                 <a:solidFill>
                   <a:srgbClr val="000000"/>
                 </a:solidFill>
@@ -26995,7 +28102,7 @@
               </a:rPr>
               <a:t>Third Outline Level</a:t>
             </a:r>
-            <a:endParaRPr b="0" lang="en-US" sz="1400" spc="-1" strike="noStrike">
+            <a:endParaRPr b="0" lang="en-US" sz="1600" spc="-1" strike="noStrike">
               <a:solidFill>
                 <a:srgbClr val="000000"/>
               </a:solidFill>
@@ -27015,7 +28122,7 @@
               <a:buChar char=""/>
             </a:pPr>
             <a:r>
-              <a:rPr b="0" lang="en-US" sz="1400" spc="-1" strike="noStrike">
+              <a:rPr b="0" lang="en-US" sz="1600" spc="-1" strike="noStrike">
                 <a:solidFill>
                   <a:srgbClr val="000000"/>
                 </a:solidFill>
@@ -27023,7 +28130,7 @@
               </a:rPr>
               <a:t>Fourth Outline Level</a:t>
             </a:r>
-            <a:endParaRPr b="0" lang="en-US" sz="1400" spc="-1" strike="noStrike">
+            <a:endParaRPr b="0" lang="en-US" sz="1600" spc="-1" strike="noStrike">
               <a:solidFill>
                 <a:srgbClr val="000000"/>
               </a:solidFill>
@@ -27043,7 +28150,7 @@
               <a:buChar char=""/>
             </a:pPr>
             <a:r>
-              <a:rPr b="0" lang="en-US" sz="2000" spc="-1" strike="noStrike">
+              <a:rPr b="0" lang="en-US" sz="1600" spc="-1" strike="noStrike">
                 <a:solidFill>
                   <a:srgbClr val="000000"/>
                 </a:solidFill>
@@ -27051,7 +28158,7 @@
               </a:rPr>
               <a:t>Fifth Outline Level</a:t>
             </a:r>
-            <a:endParaRPr b="0" lang="en-US" sz="2000" spc="-1" strike="noStrike">
+            <a:endParaRPr b="0" lang="en-US" sz="1600" spc="-1" strike="noStrike">
               <a:solidFill>
                 <a:srgbClr val="000000"/>
               </a:solidFill>
@@ -27071,7 +28178,7 @@
               <a:buChar char=""/>
             </a:pPr>
             <a:r>
-              <a:rPr b="0" lang="en-US" sz="2000" spc="-1" strike="noStrike">
+              <a:rPr b="0" lang="en-US" sz="1600" spc="-1" strike="noStrike">
                 <a:solidFill>
                   <a:srgbClr val="000000"/>
                 </a:solidFill>
@@ -27079,7 +28186,7 @@
               </a:rPr>
               <a:t>Sixth Outline Level</a:t>
             </a:r>
-            <a:endParaRPr b="0" lang="en-US" sz="2000" spc="-1" strike="noStrike">
+            <a:endParaRPr b="0" lang="en-US" sz="1600" spc="-1" strike="noStrike">
               <a:solidFill>
                 <a:srgbClr val="000000"/>
               </a:solidFill>
@@ -27099,7 +28206,7 @@
               <a:buChar char=""/>
             </a:pPr>
             <a:r>
-              <a:rPr b="0" lang="en-US" sz="2000" spc="-1" strike="noStrike">
+              <a:rPr b="0" lang="en-US" sz="1600" spc="-1" strike="noStrike">
                 <a:solidFill>
                   <a:srgbClr val="000000"/>
                 </a:solidFill>
@@ -27107,7 +28214,7 @@
               </a:rPr>
               <a:t>Seventh Outline Level</a:t>
             </a:r>
-            <a:endParaRPr b="0" lang="en-US" sz="2000" spc="-1" strike="noStrike">
+            <a:endParaRPr b="0" lang="en-US" sz="1600" spc="-1" strike="noStrike">
               <a:solidFill>
                 <a:srgbClr val="000000"/>
               </a:solidFill>
@@ -27143,7 +28250,7 @@
                 <a:spcPct val="100000"/>
               </a:lnSpc>
             </a:pPr>
-            <a:fld id="{B4BE8A03-97BC-4EBF-8382-2D9A97EDFFE9}" type="slidenum">
+            <a:fld id="{54301599-FA16-4493-B4B5-76442559A9E1}" type="slidenum">
               <a:rPr b="0" lang="en-US" sz="1300" spc="-1" strike="noStrike">
                 <a:solidFill>
                   <a:srgbClr val="a7d86d"/>
@@ -30864,10 +31971,10 @@
           </a:prstGeom>
         </p:spPr>
         <p:txBody>
-          <a:bodyPr lIns="0" rIns="0" tIns="0" bIns="0" anchor="ctr"/>
+          <a:bodyPr lIns="0" rIns="0" tIns="0" bIns="0" anchor="b"/>
           <a:p>
             <a:r>
-              <a:rPr b="0" lang="en-US" sz="1400" spc="-1" strike="noStrike">
+              <a:rPr b="0" lang="en-US" sz="3600" spc="-1" strike="noStrike">
                 <a:solidFill>
                   <a:srgbClr val="000000"/>
                 </a:solidFill>
@@ -30875,7 +31982,7 @@
               </a:rPr>
               <a:t>Click to edit the title text format</a:t>
             </a:r>
-            <a:endParaRPr b="0" lang="en-US" sz="1400" spc="-1" strike="noStrike">
+            <a:endParaRPr b="0" lang="en-US" sz="3600" spc="-1" strike="noStrike">
               <a:solidFill>
                 <a:srgbClr val="000000"/>
               </a:solidFill>
@@ -30904,9 +32011,7 @@
           </a:prstGeom>
         </p:spPr>
         <p:txBody>
-          <a:bodyPr lIns="0" rIns="0" tIns="0" bIns="0">
-            <a:normAutofit/>
-          </a:bodyPr>
+          <a:bodyPr lIns="0" rIns="0" tIns="0" bIns="0"/>
           <a:p>
             <a:pPr marL="432000" indent="-324000">
               <a:spcBef>
@@ -30920,7 +32025,7 @@
               <a:buChar char=""/>
             </a:pPr>
             <a:r>
-              <a:rPr b="0" lang="en-US" sz="1400" spc="-1" strike="noStrike">
+              <a:rPr b="0" lang="en-US" sz="2000" spc="-1" strike="noStrike">
                 <a:solidFill>
                   <a:srgbClr val="000000"/>
                 </a:solidFill>
@@ -30928,7 +32033,7 @@
               </a:rPr>
               <a:t>Click to edit the outline text format</a:t>
             </a:r>
-            <a:endParaRPr b="0" lang="en-US" sz="1400" spc="-1" strike="noStrike">
+            <a:endParaRPr b="0" lang="en-US" sz="2000" spc="-1" strike="noStrike">
               <a:solidFill>
                 <a:srgbClr val="000000"/>
               </a:solidFill>
@@ -30948,7 +32053,7 @@
               <a:buChar char=""/>
             </a:pPr>
             <a:r>
-              <a:rPr b="0" lang="en-US" sz="1400" spc="-1" strike="noStrike">
+              <a:rPr b="0" lang="en-US" sz="2000" spc="-1" strike="noStrike">
                 <a:solidFill>
                   <a:srgbClr val="000000"/>
                 </a:solidFill>
@@ -30956,7 +32061,7 @@
               </a:rPr>
               <a:t>Second Outline Level</a:t>
             </a:r>
-            <a:endParaRPr b="0" lang="en-US" sz="1400" spc="-1" strike="noStrike">
+            <a:endParaRPr b="0" lang="en-US" sz="2000" spc="-1" strike="noStrike">
               <a:solidFill>
                 <a:srgbClr val="000000"/>
               </a:solidFill>
@@ -30976,7 +32081,7 @@
               <a:buChar char=""/>
             </a:pPr>
             <a:r>
-              <a:rPr b="0" lang="en-US" sz="1400" spc="-1" strike="noStrike">
+              <a:rPr b="0" lang="en-US" sz="2000" spc="-1" strike="noStrike">
                 <a:solidFill>
                   <a:srgbClr val="000000"/>
                 </a:solidFill>
@@ -30984,7 +32089,7 @@
               </a:rPr>
               <a:t>Third Outline Level</a:t>
             </a:r>
-            <a:endParaRPr b="0" lang="en-US" sz="1400" spc="-1" strike="noStrike">
+            <a:endParaRPr b="0" lang="en-US" sz="2000" spc="-1" strike="noStrike">
               <a:solidFill>
                 <a:srgbClr val="000000"/>
               </a:solidFill>
@@ -31004,7 +32109,7 @@
               <a:buChar char=""/>
             </a:pPr>
             <a:r>
-              <a:rPr b="0" lang="en-US" sz="1400" spc="-1" strike="noStrike">
+              <a:rPr b="0" lang="en-US" sz="2000" spc="-1" strike="noStrike">
                 <a:solidFill>
                   <a:srgbClr val="000000"/>
                 </a:solidFill>
@@ -31012,7 +32117,7 @@
               </a:rPr>
               <a:t>Fourth Outline Level</a:t>
             </a:r>
-            <a:endParaRPr b="0" lang="en-US" sz="1400" spc="-1" strike="noStrike">
+            <a:endParaRPr b="0" lang="en-US" sz="2000" spc="-1" strike="noStrike">
               <a:solidFill>
                 <a:srgbClr val="000000"/>
               </a:solidFill>
@@ -31132,7 +32237,7 @@
                 <a:spcPct val="100000"/>
               </a:lnSpc>
             </a:pPr>
-            <a:fld id="{031E1C2A-93DB-40A0-9B2A-3E9EDB35DD55}" type="slidenum">
+            <a:fld id="{0C5599AB-96D4-43DB-A791-F8727B97E326}" type="slidenum">
               <a:rPr b="0" lang="en-US" sz="1300" spc="-1" strike="noStrike">
                 <a:solidFill>
                   <a:srgbClr val="a7d86d"/>
@@ -31220,7 +32325,17 @@
                 <a:latin typeface="Poppins"/>
                 <a:ea typeface="Poppins"/>
               </a:rPr>
-              <a:t>Pair Project</a:t>
+              <a:t>Pair </a:t>
+            </a:r>
+            <a:r>
+              <a:rPr b="1" lang="en-US" sz="6000" spc="-1" strike="noStrike">
+                <a:solidFill>
+                  <a:srgbClr val="a7d86d"/>
+                </a:solidFill>
+                <a:latin typeface="Poppins"/>
+                <a:ea typeface="Poppins"/>
+              </a:rPr>
+              <a:t>Project</a:t>
             </a:r>
             <a:br/>
             <a:r>
@@ -31245,6 +32360,33 @@
       </p:sp>
     </p:spTree>
   </p:cSld>
+  <p:timing>
+    <p:tnLst>
+      <p:par>
+        <p:cTn id="1" dur="indefinite" restart="never" nodeType="tmRoot">
+          <p:childTnLst>
+            <p:seq>
+              <p:cTn id="2" dur="indefinite" nodeType="mainSeq"/>
+              <p:prevCondLst>
+                <p:cond delay="0" evt="onPrev">
+                  <p:tgtEl>
+                    <p:sldTgt/>
+                  </p:tgtEl>
+                </p:cond>
+              </p:prevCondLst>
+              <p:nextCondLst>
+                <p:cond delay="0" evt="onNext">
+                  <p:tgtEl>
+                    <p:sldTgt/>
+                  </p:tgtEl>
+                </p:cond>
+              </p:nextCondLst>
+            </p:seq>
+          </p:childTnLst>
+        </p:cTn>
+      </p:par>
+    </p:tnLst>
+  </p:timing>
 </p:sld>
 </file>
 
@@ -31352,6 +32494,9 @@
               <a:t>Explanations</a:t>
             </a:r>
             <a:endParaRPr b="0" lang="en-US" sz="2200" spc="-1" strike="noStrike">
+              <a:solidFill>
+                <a:srgbClr val="ffffff"/>
+              </a:solidFill>
               <a:latin typeface="Arial"/>
             </a:endParaRPr>
           </a:p>
@@ -34721,7 +35866,7 @@
                 <a:spcPct val="100000"/>
               </a:lnSpc>
             </a:pPr>
-            <a:fld id="{42BD2C94-C18A-4F88-9D57-2F23D0E38981}" type="slidenum">
+            <a:fld id="{3589AEA1-065E-4C43-A1DC-1580966623B3}" type="slidenum">
               <a:rPr b="0" lang="en-US" sz="1300" spc="-1" strike="noStrike">
                 <a:solidFill>
                   <a:srgbClr val="a7d86d"/>
@@ -34739,6 +35884,33 @@
       </p:sp>
     </p:spTree>
   </p:cSld>
+  <p:timing>
+    <p:tnLst>
+      <p:par>
+        <p:cTn id="19" dur="indefinite" restart="never" nodeType="tmRoot">
+          <p:childTnLst>
+            <p:seq>
+              <p:cTn id="20" dur="indefinite" nodeType="mainSeq"/>
+              <p:prevCondLst>
+                <p:cond delay="0" evt="onPrev">
+                  <p:tgtEl>
+                    <p:sldTgt/>
+                  </p:tgtEl>
+                </p:cond>
+              </p:prevCondLst>
+              <p:nextCondLst>
+                <p:cond delay="0" evt="onNext">
+                  <p:tgtEl>
+                    <p:sldTgt/>
+                  </p:tgtEl>
+                </p:cond>
+              </p:nextCondLst>
+            </p:seq>
+          </p:childTnLst>
+        </p:cTn>
+      </p:par>
+    </p:tnLst>
+  </p:timing>
 </p:sld>
 </file>
 
@@ -34819,7 +35991,7 @@
                 <a:spcPct val="100000"/>
               </a:lnSpc>
             </a:pPr>
-            <a:fld id="{06DD0DD3-C335-404F-BB02-40187F61FFAF}" type="slidenum">
+            <a:fld id="{2EF65595-818F-436F-8F21-57FE6D243C25}" type="slidenum">
               <a:rPr b="0" lang="en-US" sz="1300" spc="-1" strike="noStrike">
                 <a:solidFill>
                   <a:srgbClr val="a7d86d"/>
@@ -35577,6 +36749,33 @@
       </p:pic>
     </p:spTree>
   </p:cSld>
+  <p:timing>
+    <p:tnLst>
+      <p:par>
+        <p:cTn id="21" dur="indefinite" restart="never" nodeType="tmRoot">
+          <p:childTnLst>
+            <p:seq>
+              <p:cTn id="22" dur="indefinite" nodeType="mainSeq"/>
+              <p:prevCondLst>
+                <p:cond delay="0" evt="onPrev">
+                  <p:tgtEl>
+                    <p:sldTgt/>
+                  </p:tgtEl>
+                </p:cond>
+              </p:prevCondLst>
+              <p:nextCondLst>
+                <p:cond delay="0" evt="onNext">
+                  <p:tgtEl>
+                    <p:sldTgt/>
+                  </p:tgtEl>
+                </p:cond>
+              </p:nextCondLst>
+            </p:seq>
+          </p:childTnLst>
+        </p:cTn>
+      </p:par>
+    </p:tnLst>
+  </p:timing>
 </p:sld>
 </file>
 
@@ -35657,7 +36856,7 @@
                 <a:spcPct val="100000"/>
               </a:lnSpc>
             </a:pPr>
-            <a:fld id="{DE350DF4-CB7B-4AA4-AC55-AF1FC28C3468}" type="slidenum">
+            <a:fld id="{80E4C2DE-791C-4DF5-82BA-ED9D0CF9E6CE}" type="slidenum">
               <a:rPr b="0" lang="en-US" sz="1300" spc="-1" strike="noStrike">
                 <a:solidFill>
                   <a:srgbClr val="a7d86d"/>
@@ -36415,6 +37614,33 @@
       </p:pic>
     </p:spTree>
   </p:cSld>
+  <p:timing>
+    <p:tnLst>
+      <p:par>
+        <p:cTn id="23" dur="indefinite" restart="never" nodeType="tmRoot">
+          <p:childTnLst>
+            <p:seq>
+              <p:cTn id="24" dur="indefinite" nodeType="mainSeq"/>
+              <p:prevCondLst>
+                <p:cond delay="0" evt="onPrev">
+                  <p:tgtEl>
+                    <p:sldTgt/>
+                  </p:tgtEl>
+                </p:cond>
+              </p:prevCondLst>
+              <p:nextCondLst>
+                <p:cond delay="0" evt="onNext">
+                  <p:tgtEl>
+                    <p:sldTgt/>
+                  </p:tgtEl>
+                </p:cond>
+              </p:nextCondLst>
+            </p:seq>
+          </p:childTnLst>
+        </p:cTn>
+      </p:par>
+    </p:tnLst>
+  </p:timing>
 </p:sld>
 </file>
 
@@ -36919,7 +38145,7 @@
                 <a:spcPct val="100000"/>
               </a:lnSpc>
             </a:pPr>
-            <a:fld id="{A69E0740-5B96-4AFE-95B5-9FA8F28175DA}" type="slidenum">
+            <a:fld id="{57FAA654-2910-4DE4-8224-A7F882492D61}" type="slidenum">
               <a:rPr b="0" lang="en-US" sz="1300" spc="-1" strike="noStrike">
                 <a:solidFill>
                   <a:srgbClr val="a7d86d"/>
@@ -37038,13 +38264,13 @@
         </p:nvPicPr>
         <p:blipFill>
           <a:blip r:embed="rId1"/>
-          <a:srcRect l="28923" t="0" r="2890" b="41329"/>
+          <a:srcRect l="22616" t="3458" r="9380" b="20948"/>
           <a:stretch/>
         </p:blipFill>
         <p:spPr>
           <a:xfrm>
-            <a:off x="3789000" y="869400"/>
-            <a:ext cx="4680720" cy="2988720"/>
+            <a:off x="3789000" y="887040"/>
+            <a:ext cx="4680720" cy="2971080"/>
           </a:xfrm>
           <a:prstGeom prst="rect">
             <a:avLst/>
@@ -37056,651 +38282,37 @@
       </p:pic>
     </p:spTree>
   </p:cSld>
+  <p:timing>
+    <p:tnLst>
+      <p:par>
+        <p:cTn id="25" dur="indefinite" restart="never" nodeType="tmRoot">
+          <p:childTnLst>
+            <p:seq>
+              <p:cTn id="26" dur="indefinite" nodeType="mainSeq"/>
+              <p:prevCondLst>
+                <p:cond delay="0" evt="onPrev">
+                  <p:tgtEl>
+                    <p:sldTgt/>
+                  </p:tgtEl>
+                </p:cond>
+              </p:prevCondLst>
+              <p:nextCondLst>
+                <p:cond delay="0" evt="onNext">
+                  <p:tgtEl>
+                    <p:sldTgt/>
+                  </p:tgtEl>
+                </p:cond>
+              </p:nextCondLst>
+            </p:seq>
+          </p:childTnLst>
+        </p:cTn>
+      </p:par>
+    </p:tnLst>
+  </p:timing>
 </p:sld>
 </file>
 
 <file path=ppt/slides/slide14.xml><?xml version="1.0" encoding="utf-8"?>
-<p:sld xmlns:a="http://schemas.openxmlformats.org/drawingml/2006/main" xmlns:p="http://schemas.openxmlformats.org/presentationml/2006/main" xmlns:r="http://schemas.openxmlformats.org/officeDocument/2006/relationships" xmlns:p14="http://schemas.microsoft.com/office/powerpoint/2010/main" xmlns:p15="http://schemas.microsoft.com/office/powerpoint/2012/main" xmlns:mc="http://schemas.openxmlformats.org/markup-compatibility/2006">
-  <p:cSld>
-    <p:bg>
-      <p:bgPr>
-        <a:solidFill>
-          <a:srgbClr val="65617d"/>
-        </a:solidFill>
-      </p:bgPr>
-    </p:bg>
-    <p:spTree>
-      <p:nvGrpSpPr>
-        <p:cNvPr id="1" name=""/>
-        <p:cNvGrpSpPr/>
-        <p:nvPr/>
-      </p:nvGrpSpPr>
-      <p:grpSpPr>
-        <a:xfrm>
-          <a:off x="0" y="0"/>
-          <a:ext cx="0" cy="0"/>
-          <a:chOff x="0" y="0"/>
-          <a:chExt cx="0" cy="0"/>
-        </a:xfrm>
-      </p:grpSpPr>
-      <p:sp>
-        <p:nvSpPr>
-          <p:cNvPr id="599" name="CustomShape 1"/>
-          <p:cNvSpPr/>
-          <p:nvPr/>
-        </p:nvSpPr>
-        <p:spPr>
-          <a:xfrm>
-            <a:off x="3575160" y="658080"/>
-            <a:ext cx="5108400" cy="3976920"/>
-          </a:xfrm>
-          <a:custGeom>
-            <a:avLst/>
-            <a:gdLst/>
-            <a:ahLst/>
-            <a:rect l="l" t="t" r="r" b="b"/>
-            <a:pathLst>
-              <a:path w="143434" h="111665">
-                <a:moveTo>
-                  <a:pt x="71751" y="2308"/>
-                </a:moveTo>
-                <a:lnTo>
-                  <a:pt x="71887" y="2376"/>
-                </a:lnTo>
-                <a:lnTo>
-                  <a:pt x="72091" y="2444"/>
-                </a:lnTo>
-                <a:lnTo>
-                  <a:pt x="72159" y="2647"/>
-                </a:lnTo>
-                <a:lnTo>
-                  <a:pt x="72226" y="2783"/>
-                </a:lnTo>
-                <a:lnTo>
-                  <a:pt x="72159" y="2987"/>
-                </a:lnTo>
-                <a:lnTo>
-                  <a:pt x="72091" y="3190"/>
-                </a:lnTo>
-                <a:lnTo>
-                  <a:pt x="71887" y="3258"/>
-                </a:lnTo>
-                <a:lnTo>
-                  <a:pt x="71751" y="3326"/>
-                </a:lnTo>
-                <a:lnTo>
-                  <a:pt x="71548" y="3258"/>
-                </a:lnTo>
-                <a:lnTo>
-                  <a:pt x="71344" y="3190"/>
-                </a:lnTo>
-                <a:lnTo>
-                  <a:pt x="71276" y="2987"/>
-                </a:lnTo>
-                <a:lnTo>
-                  <a:pt x="71208" y="2783"/>
-                </a:lnTo>
-                <a:lnTo>
-                  <a:pt x="71276" y="2647"/>
-                </a:lnTo>
-                <a:lnTo>
-                  <a:pt x="71344" y="2444"/>
-                </a:lnTo>
-                <a:lnTo>
-                  <a:pt x="71548" y="2376"/>
-                </a:lnTo>
-                <a:lnTo>
-                  <a:pt x="71751" y="2308"/>
-                </a:lnTo>
-                <a:close/>
-                <a:moveTo>
-                  <a:pt x="137528" y="5906"/>
-                </a:moveTo>
-                <a:lnTo>
-                  <a:pt x="137596" y="5974"/>
-                </a:lnTo>
-                <a:lnTo>
-                  <a:pt x="137596" y="89604"/>
-                </a:lnTo>
-                <a:lnTo>
-                  <a:pt x="5906" y="89604"/>
-                </a:lnTo>
-                <a:lnTo>
-                  <a:pt x="5906" y="5974"/>
-                </a:lnTo>
-                <a:lnTo>
-                  <a:pt x="5906" y="5906"/>
-                </a:lnTo>
-                <a:close/>
-                <a:moveTo>
-                  <a:pt x="3530" y="0"/>
-                </a:moveTo>
-                <a:lnTo>
-                  <a:pt x="3191" y="68"/>
-                </a:lnTo>
-                <a:lnTo>
-                  <a:pt x="2444" y="339"/>
-                </a:lnTo>
-                <a:lnTo>
-                  <a:pt x="1766" y="679"/>
-                </a:lnTo>
-                <a:lnTo>
-                  <a:pt x="1155" y="1154"/>
-                </a:lnTo>
-                <a:lnTo>
-                  <a:pt x="679" y="1765"/>
-                </a:lnTo>
-                <a:lnTo>
-                  <a:pt x="272" y="2444"/>
-                </a:lnTo>
-                <a:lnTo>
-                  <a:pt x="69" y="3190"/>
-                </a:lnTo>
-                <a:lnTo>
-                  <a:pt x="1" y="3598"/>
-                </a:lnTo>
-                <a:lnTo>
-                  <a:pt x="1" y="4005"/>
-                </a:lnTo>
-                <a:lnTo>
-                  <a:pt x="1" y="91572"/>
-                </a:lnTo>
-                <a:lnTo>
-                  <a:pt x="1" y="91979"/>
-                </a:lnTo>
-                <a:lnTo>
-                  <a:pt x="69" y="92319"/>
-                </a:lnTo>
-                <a:lnTo>
-                  <a:pt x="272" y="93065"/>
-                </a:lnTo>
-                <a:lnTo>
-                  <a:pt x="679" y="93744"/>
-                </a:lnTo>
-                <a:lnTo>
-                  <a:pt x="1155" y="94355"/>
-                </a:lnTo>
-                <a:lnTo>
-                  <a:pt x="1766" y="94830"/>
-                </a:lnTo>
-                <a:lnTo>
-                  <a:pt x="2444" y="95238"/>
-                </a:lnTo>
-                <a:lnTo>
-                  <a:pt x="3191" y="95441"/>
-                </a:lnTo>
-                <a:lnTo>
-                  <a:pt x="3530" y="95509"/>
-                </a:lnTo>
-                <a:lnTo>
-                  <a:pt x="139904" y="95509"/>
-                </a:lnTo>
-                <a:lnTo>
-                  <a:pt x="140311" y="95441"/>
-                </a:lnTo>
-                <a:lnTo>
-                  <a:pt x="141058" y="95238"/>
-                </a:lnTo>
-                <a:lnTo>
-                  <a:pt x="141737" y="94830"/>
-                </a:lnTo>
-                <a:lnTo>
-                  <a:pt x="142280" y="94355"/>
-                </a:lnTo>
-                <a:lnTo>
-                  <a:pt x="142755" y="93744"/>
-                </a:lnTo>
-                <a:lnTo>
-                  <a:pt x="143162" y="93065"/>
-                </a:lnTo>
-                <a:lnTo>
-                  <a:pt x="143366" y="92319"/>
-                </a:lnTo>
-                <a:lnTo>
-                  <a:pt x="143434" y="91979"/>
-                </a:lnTo>
-                <a:lnTo>
-                  <a:pt x="143434" y="91572"/>
-                </a:lnTo>
-                <a:lnTo>
-                  <a:pt x="143434" y="4005"/>
-                </a:lnTo>
-                <a:lnTo>
-                  <a:pt x="143434" y="3598"/>
-                </a:lnTo>
-                <a:lnTo>
-                  <a:pt x="143366" y="3190"/>
-                </a:lnTo>
-                <a:lnTo>
-                  <a:pt x="143162" y="2444"/>
-                </a:lnTo>
-                <a:lnTo>
-                  <a:pt x="142755" y="1765"/>
-                </a:lnTo>
-                <a:lnTo>
-                  <a:pt x="142280" y="1154"/>
-                </a:lnTo>
-                <a:lnTo>
-                  <a:pt x="141737" y="679"/>
-                </a:lnTo>
-                <a:lnTo>
-                  <a:pt x="141058" y="339"/>
-                </a:lnTo>
-                <a:lnTo>
-                  <a:pt x="140311" y="68"/>
-                </a:lnTo>
-                <a:lnTo>
-                  <a:pt x="139904" y="0"/>
-                </a:lnTo>
-                <a:close/>
-                <a:moveTo>
-                  <a:pt x="55324" y="95713"/>
-                </a:moveTo>
-                <a:lnTo>
-                  <a:pt x="55052" y="98971"/>
-                </a:lnTo>
-                <a:lnTo>
-                  <a:pt x="54713" y="102297"/>
-                </a:lnTo>
-                <a:lnTo>
-                  <a:pt x="54374" y="105284"/>
-                </a:lnTo>
-                <a:lnTo>
-                  <a:pt x="53966" y="107388"/>
-                </a:lnTo>
-                <a:lnTo>
-                  <a:pt x="53763" y="108203"/>
-                </a:lnTo>
-                <a:lnTo>
-                  <a:pt x="53627" y="108746"/>
-                </a:lnTo>
-                <a:lnTo>
-                  <a:pt x="53423" y="109153"/>
-                </a:lnTo>
-                <a:lnTo>
-                  <a:pt x="53220" y="109357"/>
-                </a:lnTo>
-                <a:lnTo>
-                  <a:pt x="52677" y="109493"/>
-                </a:lnTo>
-                <a:lnTo>
-                  <a:pt x="51794" y="109696"/>
-                </a:lnTo>
-                <a:lnTo>
-                  <a:pt x="49690" y="110036"/>
-                </a:lnTo>
-                <a:lnTo>
-                  <a:pt x="48061" y="110307"/>
-                </a:lnTo>
-                <a:lnTo>
-                  <a:pt x="47450" y="110443"/>
-                </a:lnTo>
-                <a:lnTo>
-                  <a:pt x="47110" y="110511"/>
-                </a:lnTo>
-                <a:lnTo>
-                  <a:pt x="47042" y="110579"/>
-                </a:lnTo>
-                <a:lnTo>
-                  <a:pt x="47042" y="110783"/>
-                </a:lnTo>
-                <a:lnTo>
-                  <a:pt x="47110" y="110850"/>
-                </a:lnTo>
-                <a:lnTo>
-                  <a:pt x="47585" y="110918"/>
-                </a:lnTo>
-                <a:lnTo>
-                  <a:pt x="48400" y="110986"/>
-                </a:lnTo>
-                <a:lnTo>
-                  <a:pt x="51387" y="111054"/>
-                </a:lnTo>
-                <a:lnTo>
-                  <a:pt x="56071" y="111122"/>
-                </a:lnTo>
-                <a:lnTo>
-                  <a:pt x="87092" y="111122"/>
-                </a:lnTo>
-                <a:lnTo>
-                  <a:pt x="91708" y="111054"/>
-                </a:lnTo>
-                <a:lnTo>
-                  <a:pt x="94695" y="110986"/>
-                </a:lnTo>
-                <a:lnTo>
-                  <a:pt x="95578" y="110918"/>
-                </a:lnTo>
-                <a:lnTo>
-                  <a:pt x="96053" y="110850"/>
-                </a:lnTo>
-                <a:lnTo>
-                  <a:pt x="96121" y="110783"/>
-                </a:lnTo>
-                <a:lnTo>
-                  <a:pt x="96121" y="110579"/>
-                </a:lnTo>
-                <a:lnTo>
-                  <a:pt x="96053" y="110511"/>
-                </a:lnTo>
-                <a:lnTo>
-                  <a:pt x="95713" y="110443"/>
-                </a:lnTo>
-                <a:lnTo>
-                  <a:pt x="95102" y="110307"/>
-                </a:lnTo>
-                <a:lnTo>
-                  <a:pt x="93473" y="110036"/>
-                </a:lnTo>
-                <a:lnTo>
-                  <a:pt x="91369" y="109696"/>
-                </a:lnTo>
-                <a:lnTo>
-                  <a:pt x="90487" y="109493"/>
-                </a:lnTo>
-                <a:lnTo>
-                  <a:pt x="89943" y="109357"/>
-                </a:lnTo>
-                <a:lnTo>
-                  <a:pt x="89740" y="109153"/>
-                </a:lnTo>
-                <a:lnTo>
-                  <a:pt x="89536" y="108746"/>
-                </a:lnTo>
-                <a:lnTo>
-                  <a:pt x="89333" y="108203"/>
-                </a:lnTo>
-                <a:lnTo>
-                  <a:pt x="89197" y="107388"/>
-                </a:lnTo>
-                <a:lnTo>
-                  <a:pt x="88789" y="105284"/>
-                </a:lnTo>
-                <a:lnTo>
-                  <a:pt x="88382" y="102297"/>
-                </a:lnTo>
-                <a:lnTo>
-                  <a:pt x="88043" y="98971"/>
-                </a:lnTo>
-                <a:lnTo>
-                  <a:pt x="87839" y="95713"/>
-                </a:lnTo>
-                <a:close/>
-                <a:moveTo>
-                  <a:pt x="47450" y="111054"/>
-                </a:moveTo>
-                <a:lnTo>
-                  <a:pt x="47450" y="111122"/>
-                </a:lnTo>
-                <a:lnTo>
-                  <a:pt x="47450" y="111393"/>
-                </a:lnTo>
-                <a:lnTo>
-                  <a:pt x="47518" y="111461"/>
-                </a:lnTo>
-                <a:lnTo>
-                  <a:pt x="48807" y="111529"/>
-                </a:lnTo>
-                <a:lnTo>
-                  <a:pt x="52473" y="111597"/>
-                </a:lnTo>
-                <a:lnTo>
-                  <a:pt x="62384" y="111665"/>
-                </a:lnTo>
-                <a:lnTo>
-                  <a:pt x="80779" y="111665"/>
-                </a:lnTo>
-                <a:lnTo>
-                  <a:pt x="90622" y="111597"/>
-                </a:lnTo>
-                <a:lnTo>
-                  <a:pt x="94356" y="111529"/>
-                </a:lnTo>
-                <a:lnTo>
-                  <a:pt x="95646" y="111461"/>
-                </a:lnTo>
-                <a:lnTo>
-                  <a:pt x="95713" y="111393"/>
-                </a:lnTo>
-                <a:lnTo>
-                  <a:pt x="95713" y="111122"/>
-                </a:lnTo>
-                <a:lnTo>
-                  <a:pt x="95646" y="111054"/>
-                </a:lnTo>
-                <a:lnTo>
-                  <a:pt x="94084" y="111122"/>
-                </a:lnTo>
-                <a:lnTo>
-                  <a:pt x="91233" y="111190"/>
-                </a:lnTo>
-                <a:lnTo>
-                  <a:pt x="80847" y="111258"/>
-                </a:lnTo>
-                <a:lnTo>
-                  <a:pt x="62316" y="111258"/>
-                </a:lnTo>
-                <a:lnTo>
-                  <a:pt x="51930" y="111190"/>
-                </a:lnTo>
-                <a:lnTo>
-                  <a:pt x="49079" y="111122"/>
-                </a:lnTo>
-                <a:lnTo>
-                  <a:pt x="47518" y="111054"/>
-                </a:lnTo>
-                <a:close/>
-              </a:path>
-            </a:pathLst>
-          </a:custGeom>
-          <a:solidFill>
-            <a:srgbClr val="d8d5eb"/>
-          </a:solidFill>
-          <a:ln>
-            <a:noFill/>
-          </a:ln>
-        </p:spPr>
-        <p:style>
-          <a:lnRef idx="0"/>
-          <a:fillRef idx="0"/>
-          <a:effectRef idx="0"/>
-          <a:fontRef idx="minor"/>
-        </p:style>
-      </p:sp>
-      <p:sp>
-        <p:nvSpPr>
-          <p:cNvPr id="600" name="CustomShape 2"/>
-          <p:cNvSpPr/>
-          <p:nvPr/>
-        </p:nvSpPr>
-        <p:spPr>
-          <a:xfrm>
-            <a:off x="3789000" y="869400"/>
-            <a:ext cx="4680720" cy="2988720"/>
-          </a:xfrm>
-          <a:prstGeom prst="rect">
-            <a:avLst/>
-          </a:prstGeom>
-          <a:noFill/>
-          <a:ln>
-            <a:noFill/>
-          </a:ln>
-        </p:spPr>
-        <p:style>
-          <a:lnRef idx="0"/>
-          <a:fillRef idx="0"/>
-          <a:effectRef idx="0"/>
-          <a:fontRef idx="minor"/>
-        </p:style>
-      </p:sp>
-      <p:sp>
-        <p:nvSpPr>
-          <p:cNvPr id="601" name="TextShape 3"/>
-          <p:cNvSpPr txBox="1"/>
-          <p:nvPr/>
-        </p:nvSpPr>
-        <p:spPr>
-          <a:xfrm>
-            <a:off x="8480520" y="4749840"/>
-            <a:ext cx="548280" cy="393120"/>
-          </a:xfrm>
-          <a:prstGeom prst="rect">
-            <a:avLst/>
-          </a:prstGeom>
-          <a:noFill/>
-          <a:ln>
-            <a:noFill/>
-          </a:ln>
-        </p:spPr>
-        <p:txBody>
-          <a:bodyPr lIns="0" rIns="0" tIns="0" bIns="0" anchor="ctr"/>
-          <a:p>
-            <a:pPr algn="r">
-              <a:lnSpc>
-                <a:spcPct val="100000"/>
-              </a:lnSpc>
-            </a:pPr>
-            <a:fld id="{40F860BA-4FC4-43B7-BB4E-78B499D3B421}" type="slidenum">
-              <a:rPr b="0" lang="en-US" sz="1300" spc="-1" strike="noStrike">
-                <a:solidFill>
-                  <a:srgbClr val="a7d86d"/>
-                </a:solidFill>
-                <a:latin typeface="Poppins Light"/>
-                <a:ea typeface="Poppins Light"/>
-              </a:rPr>
-              <a:t>&lt;number&gt;</a:t>
-            </a:fld>
-            <a:endParaRPr b="0" lang="en-US" sz="1300" spc="-1" strike="noStrike">
-              <a:latin typeface="Times New Roman"/>
-            </a:endParaRPr>
-          </a:p>
-        </p:txBody>
-      </p:sp>
-      <p:sp>
-        <p:nvSpPr>
-          <p:cNvPr id="602" name="TextShape 4"/>
-          <p:cNvSpPr txBox="1"/>
-          <p:nvPr/>
-        </p:nvSpPr>
-        <p:spPr>
-          <a:xfrm>
-            <a:off x="457200" y="2687760"/>
-            <a:ext cx="2541960" cy="1483560"/>
-          </a:xfrm>
-          <a:prstGeom prst="rect">
-            <a:avLst/>
-          </a:prstGeom>
-          <a:noFill/>
-          <a:ln>
-            <a:noFill/>
-          </a:ln>
-        </p:spPr>
-        <p:txBody>
-          <a:bodyPr lIns="0" rIns="0" tIns="0" bIns="0"/>
-          <a:p>
-            <a:pPr>
-              <a:lnSpc>
-                <a:spcPct val="115000"/>
-              </a:lnSpc>
-              <a:spcBef>
-                <a:spcPts val="601"/>
-              </a:spcBef>
-            </a:pPr>
-            <a:r>
-              <a:rPr b="0" lang="en-US" sz="1800" spc="-1" strike="noStrike">
-                <a:solidFill>
-                  <a:srgbClr val="ffffff"/>
-                </a:solidFill>
-                <a:latin typeface="Muli Light"/>
-                <a:ea typeface="Muli Light"/>
-              </a:rPr>
-              <a:t>phosphenes.com</a:t>
-            </a:r>
-            <a:endParaRPr b="0" lang="en-US" sz="1800" spc="-1" strike="noStrike">
-              <a:solidFill>
-                <a:srgbClr val="000000"/>
-              </a:solidFill>
-              <a:latin typeface="Arial"/>
-            </a:endParaRPr>
-          </a:p>
-        </p:txBody>
-      </p:sp>
-      <p:sp>
-        <p:nvSpPr>
-          <p:cNvPr id="603" name="TextShape 5"/>
-          <p:cNvSpPr txBox="1"/>
-          <p:nvPr/>
-        </p:nvSpPr>
-        <p:spPr>
-          <a:xfrm>
-            <a:off x="457200" y="1577520"/>
-            <a:ext cx="2671920" cy="857160"/>
-          </a:xfrm>
-          <a:prstGeom prst="rect">
-            <a:avLst/>
-          </a:prstGeom>
-          <a:noFill/>
-          <a:ln>
-            <a:noFill/>
-          </a:ln>
-        </p:spPr>
-        <p:txBody>
-          <a:bodyPr lIns="0" rIns="0" tIns="0" bIns="0" anchor="b"/>
-          <a:p>
-            <a:pPr>
-              <a:lnSpc>
-                <a:spcPct val="100000"/>
-              </a:lnSpc>
-            </a:pPr>
-            <a:r>
-              <a:rPr b="1" lang="en-US" sz="4800" spc="-1" strike="noStrike">
-                <a:solidFill>
-                  <a:srgbClr val="a7d86d"/>
-                </a:solidFill>
-                <a:latin typeface="Poppins"/>
-                <a:ea typeface="Poppins"/>
-              </a:rPr>
-              <a:t>URL</a:t>
-            </a:r>
-            <a:endParaRPr b="0" lang="en-US" sz="4800" spc="-1" strike="noStrike">
-              <a:solidFill>
-                <a:srgbClr val="000000"/>
-              </a:solidFill>
-              <a:latin typeface="Arial"/>
-            </a:endParaRPr>
-          </a:p>
-        </p:txBody>
-      </p:sp>
-      <p:pic>
-        <p:nvPicPr>
-          <p:cNvPr id="604" name="" descr=""/>
-          <p:cNvPicPr/>
-          <p:nvPr/>
-        </p:nvPicPr>
-        <p:blipFill>
-          <a:blip r:embed="rId1"/>
-          <a:srcRect l="28923" t="0" r="6751" b="45639"/>
-          <a:stretch/>
-        </p:blipFill>
-        <p:spPr>
-          <a:xfrm>
-            <a:off x="3789000" y="869400"/>
-            <a:ext cx="4680720" cy="2971080"/>
-          </a:xfrm>
-          <a:prstGeom prst="rect">
-            <a:avLst/>
-          </a:prstGeom>
-          <a:ln>
-            <a:noFill/>
-          </a:ln>
-        </p:spPr>
-      </p:pic>
-    </p:spTree>
-  </p:cSld>
-</p:sld>
-</file>
-
-<file path=ppt/slides/slide15.xml><?xml version="1.0" encoding="utf-8"?>
 <p:sld xmlns:a="http://schemas.openxmlformats.org/drawingml/2006/main" xmlns:p="http://schemas.openxmlformats.org/presentationml/2006/main" xmlns:r="http://schemas.openxmlformats.org/officeDocument/2006/relationships" xmlns:p14="http://schemas.microsoft.com/office/powerpoint/2010/main" xmlns:p15="http://schemas.microsoft.com/office/powerpoint/2012/main" xmlns:mc="http://schemas.openxmlformats.org/markup-compatibility/2006">
   <p:cSld>
     <p:spTree>
@@ -37719,7 +38331,7 @@
       </p:grpSpPr>
       <p:sp>
         <p:nvSpPr>
-          <p:cNvPr id="605" name="TextShape 1"/>
+          <p:cNvPr id="599" name="TextShape 1"/>
           <p:cNvSpPr txBox="1"/>
           <p:nvPr/>
         </p:nvSpPr>
@@ -37752,7 +38364,7 @@
                 <a:latin typeface="Poppins"/>
                 <a:ea typeface="Poppins"/>
               </a:rPr>
-              <a:t>Extra Preparations</a:t>
+              <a:t>Kendala</a:t>
             </a:r>
             <a:endParaRPr b="0" lang="en-US" sz="4800" spc="-1" strike="noStrike">
               <a:solidFill>
@@ -37765,14 +38377,14 @@
       </p:sp>
       <p:sp>
         <p:nvSpPr>
-          <p:cNvPr id="606" name="TextShape 2"/>
+          <p:cNvPr id="600" name="TextShape 2"/>
           <p:cNvSpPr txBox="1"/>
           <p:nvPr/>
         </p:nvSpPr>
         <p:spPr>
           <a:xfrm>
             <a:off x="457200" y="1733400"/>
-            <a:ext cx="4695120" cy="1862280"/>
+            <a:ext cx="6949440" cy="1862280"/>
           </a:xfrm>
           <a:prstGeom prst="rect">
             <a:avLst/>
@@ -37806,7 +38418,38 @@
                 <a:latin typeface="Muli Light"/>
                 <a:ea typeface="Muli Light"/>
               </a:rPr>
-              <a:t>Kendala Waktu</a:t>
+              <a:t>Planning penentuan dan pembagian fitur</a:t>
+            </a:r>
+            <a:endParaRPr b="0" lang="en-US" sz="2200" spc="-1" strike="noStrike">
+              <a:solidFill>
+                <a:srgbClr val="000000"/>
+              </a:solidFill>
+              <a:latin typeface="Arial"/>
+            </a:endParaRPr>
+          </a:p>
+          <a:p>
+            <a:pPr marL="457200" indent="-367920">
+              <a:lnSpc>
+                <a:spcPct val="115000"/>
+              </a:lnSpc>
+              <a:spcBef>
+                <a:spcPts val="601"/>
+              </a:spcBef>
+              <a:buClr>
+                <a:srgbClr val="a7d86d"/>
+              </a:buClr>
+              <a:buFont typeface="Muli Light"/>
+              <a:buChar char="●"/>
+            </a:pPr>
+            <a:r>
+              <a:rPr b="0" lang="en-US" sz="2200" spc="-1" strike="noStrike">
+                <a:solidFill>
+                  <a:srgbClr val="65617d"/>
+                </a:solidFill>
+                <a:latin typeface="Muli Light"/>
+                <a:ea typeface="Muli Light"/>
+              </a:rPr>
+              <a:t>Pemahaman Django dan modul-modulnya</a:t>
             </a:r>
             <a:endParaRPr b="0" lang="en-US" sz="2200" spc="-1" strike="noStrike">
               <a:solidFill>
@@ -37834,7 +38477,7 @@
                 <a:latin typeface="Muli Light"/>
                 <a:ea typeface="Muli Light"/>
               </a:rPr>
-              <a:t>Hambatan Coding Problem</a:t>
+              <a:t>Pemakaian template bootstrap</a:t>
             </a:r>
             <a:endParaRPr b="0" lang="en-US" sz="2200" spc="-1" strike="noStrike">
               <a:solidFill>
@@ -37843,11 +38486,175 @@
               <a:latin typeface="Arial"/>
             </a:endParaRPr>
           </a:p>
+        </p:txBody>
+      </p:sp>
+      <p:sp>
+        <p:nvSpPr>
+          <p:cNvPr id="601" name="TextShape 3"/>
+          <p:cNvSpPr txBox="1"/>
+          <p:nvPr/>
+        </p:nvSpPr>
+        <p:spPr>
+          <a:xfrm>
+            <a:off x="8480520" y="4749840"/>
+            <a:ext cx="548280" cy="393120"/>
+          </a:xfrm>
+          <a:prstGeom prst="rect">
+            <a:avLst/>
+          </a:prstGeom>
+          <a:noFill/>
+          <a:ln>
+            <a:noFill/>
+          </a:ln>
+        </p:spPr>
+        <p:txBody>
+          <a:bodyPr lIns="0" rIns="0" tIns="0" bIns="0" anchor="ctr"/>
+          <a:p>
+            <a:pPr algn="r">
+              <a:lnSpc>
+                <a:spcPct val="100000"/>
+              </a:lnSpc>
+            </a:pPr>
+            <a:fld id="{1709D1A6-71DB-4978-A7CB-499AF6A3FE85}" type="slidenum">
+              <a:rPr b="0" lang="en-US" sz="1300" spc="-1" strike="noStrike">
+                <a:solidFill>
+                  <a:srgbClr val="a7d86d"/>
+                </a:solidFill>
+                <a:latin typeface="Poppins Light"/>
+                <a:ea typeface="Poppins Light"/>
+              </a:rPr>
+              <a:t>&lt;number&gt;</a:t>
+            </a:fld>
+            <a:endParaRPr b="0" lang="en-US" sz="1300" spc="-1" strike="noStrike">
+              <a:latin typeface="Times New Roman"/>
+            </a:endParaRPr>
+          </a:p>
+        </p:txBody>
+      </p:sp>
+    </p:spTree>
+  </p:cSld>
+  <p:timing>
+    <p:tnLst>
+      <p:par>
+        <p:cTn id="27" dur="indefinite" restart="never" nodeType="tmRoot">
+          <p:childTnLst>
+            <p:seq>
+              <p:cTn id="28" dur="indefinite" nodeType="mainSeq"/>
+              <p:prevCondLst>
+                <p:cond delay="0" evt="onPrev">
+                  <p:tgtEl>
+                    <p:sldTgt/>
+                  </p:tgtEl>
+                </p:cond>
+              </p:prevCondLst>
+              <p:nextCondLst>
+                <p:cond delay="0" evt="onNext">
+                  <p:tgtEl>
+                    <p:sldTgt/>
+                  </p:tgtEl>
+                </p:cond>
+              </p:nextCondLst>
+            </p:seq>
+          </p:childTnLst>
+        </p:cTn>
+      </p:par>
+    </p:tnLst>
+  </p:timing>
+</p:sld>
+</file>
+
+<file path=ppt/slides/slide15.xml><?xml version="1.0" encoding="utf-8"?>
+<p:sld xmlns:a="http://schemas.openxmlformats.org/drawingml/2006/main" xmlns:p="http://schemas.openxmlformats.org/presentationml/2006/main" xmlns:r="http://schemas.openxmlformats.org/officeDocument/2006/relationships" xmlns:p14="http://schemas.microsoft.com/office/powerpoint/2010/main" xmlns:p15="http://schemas.microsoft.com/office/powerpoint/2012/main" xmlns:mc="http://schemas.openxmlformats.org/markup-compatibility/2006">
+  <p:cSld>
+    <p:spTree>
+      <p:nvGrpSpPr>
+        <p:cNvPr id="1" name=""/>
+        <p:cNvGrpSpPr/>
+        <p:nvPr/>
+      </p:nvGrpSpPr>
+      <p:grpSpPr>
+        <a:xfrm>
+          <a:off x="0" y="0"/>
+          <a:ext cx="0" cy="0"/>
+          <a:chOff x="0" y="0"/>
+          <a:chExt cx="0" cy="0"/>
+        </a:xfrm>
+      </p:grpSpPr>
+      <p:sp>
+        <p:nvSpPr>
+          <p:cNvPr id="602" name="TextShape 1"/>
+          <p:cNvSpPr txBox="1"/>
+          <p:nvPr/>
+        </p:nvSpPr>
+        <p:spPr>
+          <a:xfrm>
+            <a:off x="457200" y="739440"/>
+            <a:ext cx="6300000" cy="857160"/>
+          </a:xfrm>
+          <a:prstGeom prst="rect">
+            <a:avLst/>
+          </a:prstGeom>
+          <a:noFill/>
+          <a:ln>
+            <a:noFill/>
+          </a:ln>
+        </p:spPr>
+        <p:txBody>
+          <a:bodyPr lIns="0" rIns="0" tIns="0" bIns="0" anchor="b"/>
+          <a:p>
+            <a:pPr>
+              <a:lnSpc>
+                <a:spcPct val="100000"/>
+              </a:lnSpc>
+            </a:pPr>
+            <a:r>
+              <a:rPr b="1" lang="en-US" sz="4800" spc="-1" strike="noStrike">
+                <a:solidFill>
+                  <a:srgbClr val="a7d86d"/>
+                </a:solidFill>
+                <a:latin typeface="Poppins"/>
+                <a:ea typeface="Poppins"/>
+              </a:rPr>
+              <a:t>Cerita Sukses</a:t>
+            </a:r>
+            <a:endParaRPr b="0" lang="en-US" sz="4800" spc="-1" strike="noStrike">
+              <a:solidFill>
+                <a:srgbClr val="000000"/>
+              </a:solidFill>
+              <a:latin typeface="Arial"/>
+            </a:endParaRPr>
+          </a:p>
+        </p:txBody>
+      </p:sp>
+      <p:sp>
+        <p:nvSpPr>
+          <p:cNvPr id="603" name="TextShape 2"/>
+          <p:cNvSpPr txBox="1"/>
+          <p:nvPr/>
+        </p:nvSpPr>
+        <p:spPr>
+          <a:xfrm>
+            <a:off x="457200" y="1733400"/>
+            <a:ext cx="4695120" cy="1862280"/>
+          </a:xfrm>
+          <a:prstGeom prst="rect">
+            <a:avLst/>
+          </a:prstGeom>
+          <a:noFill/>
+          <a:ln>
+            <a:noFill/>
+          </a:ln>
+        </p:spPr>
+        <p:txBody>
+          <a:bodyPr lIns="0" rIns="0" tIns="0" bIns="0"/>
           <a:p>
             <a:pPr marL="457200" indent="-367920">
               <a:lnSpc>
                 <a:spcPct val="115000"/>
               </a:lnSpc>
+              <a:spcBef>
+                <a:spcPts val="601"/>
+              </a:spcBef>
               <a:buClr>
                 <a:srgbClr val="a7d86d"/>
               </a:buClr>
@@ -37862,7 +38669,7 @@
                 <a:latin typeface="Muli Light"/>
                 <a:ea typeface="Muli Light"/>
               </a:rPr>
-              <a:t>Cerita Sukses</a:t>
+              <a:t>Web kita ter-deploy</a:t>
             </a:r>
             <a:endParaRPr b="0" lang="en-US" sz="2200" spc="-1" strike="noStrike">
               <a:solidFill>
@@ -37891,7 +38698,7 @@
       </p:sp>
       <p:sp>
         <p:nvSpPr>
-          <p:cNvPr id="607" name="TextShape 3"/>
+          <p:cNvPr id="604" name="TextShape 3"/>
           <p:cNvSpPr txBox="1"/>
           <p:nvPr/>
         </p:nvSpPr>
@@ -37916,7 +38723,7 @@
                 <a:spcPct val="100000"/>
               </a:lnSpc>
             </a:pPr>
-            <a:fld id="{C2A4FBD8-4EA1-4624-872A-032FFBBCE40F}" type="slidenum">
+            <a:fld id="{1E7EBB9C-D9B5-4FFE-B102-7BEE1990D031}" type="slidenum">
               <a:rPr b="0" lang="en-US" sz="1300" spc="-1" strike="noStrike">
                 <a:solidFill>
                   <a:srgbClr val="a7d86d"/>
@@ -37934,6 +38741,33 @@
       </p:sp>
     </p:spTree>
   </p:cSld>
+  <p:timing>
+    <p:tnLst>
+      <p:par>
+        <p:cTn id="29" dur="indefinite" restart="never" nodeType="tmRoot">
+          <p:childTnLst>
+            <p:seq>
+              <p:cTn id="30" dur="indefinite" nodeType="mainSeq"/>
+              <p:prevCondLst>
+                <p:cond delay="0" evt="onPrev">
+                  <p:tgtEl>
+                    <p:sldTgt/>
+                  </p:tgtEl>
+                </p:cond>
+              </p:prevCondLst>
+              <p:nextCondLst>
+                <p:cond delay="0" evt="onNext">
+                  <p:tgtEl>
+                    <p:sldTgt/>
+                  </p:tgtEl>
+                </p:cond>
+              </p:nextCondLst>
+            </p:seq>
+          </p:childTnLst>
+        </p:cTn>
+      </p:par>
+    </p:tnLst>
+  </p:timing>
 </p:sld>
 </file>
 
@@ -37963,7 +38797,7 @@
       </p:grpSpPr>
       <p:sp>
         <p:nvSpPr>
-          <p:cNvPr id="608" name="CustomShape 1"/>
+          <p:cNvPr id="605" name="CustomShape 1"/>
           <p:cNvSpPr/>
           <p:nvPr/>
         </p:nvSpPr>
@@ -38387,7 +39221,7 @@
       </p:sp>
       <p:sp>
         <p:nvSpPr>
-          <p:cNvPr id="609" name="CustomShape 2"/>
+          <p:cNvPr id="606" name="CustomShape 2"/>
           <p:cNvSpPr/>
           <p:nvPr/>
         </p:nvSpPr>
@@ -38413,7 +39247,7 @@
       </p:sp>
       <p:sp>
         <p:nvSpPr>
-          <p:cNvPr id="610" name="TextShape 3"/>
+          <p:cNvPr id="607" name="TextShape 3"/>
           <p:cNvSpPr txBox="1"/>
           <p:nvPr/>
         </p:nvSpPr>
@@ -38438,7 +39272,7 @@
                 <a:spcPct val="100000"/>
               </a:lnSpc>
             </a:pPr>
-            <a:fld id="{45AA8373-2653-498F-B297-09943F3A5FED}" type="slidenum">
+            <a:fld id="{04FCCBB5-4473-4703-A36A-1E0F79924341}" type="slidenum">
               <a:rPr b="0" lang="en-US" sz="1300" spc="-1" strike="noStrike">
                 <a:solidFill>
                   <a:srgbClr val="a7d86d"/>
@@ -38456,7 +39290,7 @@
       </p:sp>
       <p:sp>
         <p:nvSpPr>
-          <p:cNvPr id="611" name="TextShape 4"/>
+          <p:cNvPr id="608" name="TextShape 4"/>
           <p:cNvSpPr txBox="1"/>
           <p:nvPr/>
         </p:nvSpPr>
@@ -38505,7 +39339,7 @@
       </p:sp>
       <p:sp>
         <p:nvSpPr>
-          <p:cNvPr id="612" name="TextShape 5"/>
+          <p:cNvPr id="609" name="TextShape 5"/>
           <p:cNvSpPr txBox="1"/>
           <p:nvPr/>
         </p:nvSpPr>
@@ -38551,7 +39385,7 @@
       </p:sp>
       <p:sp>
         <p:nvSpPr>
-          <p:cNvPr id="613" name="TextShape 6"/>
+          <p:cNvPr id="610" name="TextShape 6"/>
           <p:cNvSpPr txBox="1"/>
           <p:nvPr/>
         </p:nvSpPr>
@@ -38586,6 +39420,33 @@
       </p:sp>
     </p:spTree>
   </p:cSld>
+  <p:timing>
+    <p:tnLst>
+      <p:par>
+        <p:cTn id="31" dur="indefinite" restart="never" nodeType="tmRoot">
+          <p:childTnLst>
+            <p:seq>
+              <p:cTn id="32" dur="indefinite" nodeType="mainSeq"/>
+              <p:prevCondLst>
+                <p:cond delay="0" evt="onPrev">
+                  <p:tgtEl>
+                    <p:sldTgt/>
+                  </p:tgtEl>
+                </p:cond>
+              </p:prevCondLst>
+              <p:nextCondLst>
+                <p:cond delay="0" evt="onNext">
+                  <p:tgtEl>
+                    <p:sldTgt/>
+                  </p:tgtEl>
+                </p:cond>
+              </p:nextCondLst>
+            </p:seq>
+          </p:childTnLst>
+        </p:cTn>
+      </p:par>
+    </p:tnLst>
+  </p:timing>
 </p:sld>
 </file>
 
@@ -38608,7 +39469,7 @@
       </p:grpSpPr>
       <p:sp>
         <p:nvSpPr>
-          <p:cNvPr id="614" name="TextShape 1"/>
+          <p:cNvPr id="611" name="TextShape 1"/>
           <p:cNvSpPr txBox="1"/>
           <p:nvPr/>
         </p:nvSpPr>
@@ -38654,7 +39515,7 @@
       </p:sp>
       <p:sp>
         <p:nvSpPr>
-          <p:cNvPr id="615" name="TextShape 2"/>
+          <p:cNvPr id="612" name="TextShape 2"/>
           <p:cNvSpPr txBox="1"/>
           <p:nvPr/>
         </p:nvSpPr>
@@ -38700,7 +39561,7 @@
       </p:sp>
       <p:sp>
         <p:nvSpPr>
-          <p:cNvPr id="616" name="TextShape 3"/>
+          <p:cNvPr id="613" name="TextShape 3"/>
           <p:cNvSpPr txBox="1"/>
           <p:nvPr/>
         </p:nvSpPr>
@@ -38808,7 +39669,7 @@
       </p:sp>
       <p:sp>
         <p:nvSpPr>
-          <p:cNvPr id="617" name="TextShape 4"/>
+          <p:cNvPr id="614" name="TextShape 4"/>
           <p:cNvSpPr txBox="1"/>
           <p:nvPr/>
         </p:nvSpPr>
@@ -38833,7 +39694,7 @@
                 <a:spcPct val="100000"/>
               </a:lnSpc>
             </a:pPr>
-            <a:fld id="{D2968BFD-A955-48AC-BC0E-0F81543E4946}" type="slidenum">
+            <a:fld id="{C4D76C23-A0D1-458B-A71B-A9B8E8371D87}" type="slidenum">
               <a:rPr b="0" lang="en-US" sz="1300" spc="-1" strike="noStrike">
                 <a:solidFill>
                   <a:srgbClr val="a7d86d"/>
@@ -38851,6 +39712,33 @@
       </p:sp>
     </p:spTree>
   </p:cSld>
+  <p:timing>
+    <p:tnLst>
+      <p:par>
+        <p:cTn id="33" dur="indefinite" restart="never" nodeType="tmRoot">
+          <p:childTnLst>
+            <p:seq>
+              <p:cTn id="34" dur="indefinite" nodeType="mainSeq"/>
+              <p:prevCondLst>
+                <p:cond delay="0" evt="onPrev">
+                  <p:tgtEl>
+                    <p:sldTgt/>
+                  </p:tgtEl>
+                </p:cond>
+              </p:prevCondLst>
+              <p:nextCondLst>
+                <p:cond delay="0" evt="onNext">
+                  <p:tgtEl>
+                    <p:sldTgt/>
+                  </p:tgtEl>
+                </p:cond>
+              </p:nextCondLst>
+            </p:seq>
+          </p:childTnLst>
+        </p:cTn>
+      </p:par>
+    </p:tnLst>
+  </p:timing>
 </p:sld>
 </file>
 
@@ -38906,7 +39794,67 @@
                 <a:latin typeface="Poppins"/>
                 <a:ea typeface="Poppins"/>
               </a:rPr>
-              <a:t>Members</a:t>
+              <a:t>M</a:t>
+            </a:r>
+            <a:r>
+              <a:rPr b="1" lang="en-US" sz="6000" spc="-1" strike="noStrike">
+                <a:solidFill>
+                  <a:srgbClr val="a7d86d"/>
+                </a:solidFill>
+                <a:latin typeface="Poppins"/>
+                <a:ea typeface="Poppins"/>
+              </a:rPr>
+              <a:t>e</a:t>
+            </a:r>
+            <a:r>
+              <a:rPr b="1" lang="en-US" sz="6000" spc="-1" strike="noStrike">
+                <a:solidFill>
+                  <a:srgbClr val="a7d86d"/>
+                </a:solidFill>
+                <a:latin typeface="Poppins"/>
+                <a:ea typeface="Poppins"/>
+              </a:rPr>
+              <a:t>m</a:t>
+            </a:r>
+            <a:r>
+              <a:rPr b="1" lang="en-US" sz="6000" spc="-1" strike="noStrike">
+                <a:solidFill>
+                  <a:srgbClr val="a7d86d"/>
+                </a:solidFill>
+                <a:latin typeface="Poppins"/>
+                <a:ea typeface="Poppins"/>
+              </a:rPr>
+              <a:t>b</a:t>
+            </a:r>
+            <a:r>
+              <a:rPr b="1" lang="en-US" sz="6000" spc="-1" strike="noStrike">
+                <a:solidFill>
+                  <a:srgbClr val="a7d86d"/>
+                </a:solidFill>
+                <a:latin typeface="Poppins"/>
+                <a:ea typeface="Poppins"/>
+              </a:rPr>
+              <a:t>e</a:t>
+            </a:r>
+            <a:r>
+              <a:rPr b="1" lang="en-US" sz="6000" spc="-1" strike="noStrike">
+                <a:solidFill>
+                  <a:srgbClr val="a7d86d"/>
+                </a:solidFill>
+                <a:latin typeface="Poppins"/>
+                <a:ea typeface="Poppins"/>
+              </a:rPr>
+              <a:t>r</a:t>
+            </a:r>
+            <a:r>
+              <a:rPr b="1" lang="en-US" sz="6000" spc="-1" strike="noStrike">
+                <a:solidFill>
+                  <a:srgbClr val="a7d86d"/>
+                </a:solidFill>
+                <a:latin typeface="Poppins"/>
+                <a:ea typeface="Poppins"/>
+              </a:rPr>
+              <a:t>s</a:t>
             </a:r>
             <a:endParaRPr b="0" lang="en-US" sz="6000" spc="-1" strike="noStrike">
               <a:solidFill>
@@ -39026,7 +39974,7 @@
                 <a:spcPct val="100000"/>
               </a:lnSpc>
             </a:pPr>
-            <a:fld id="{29CFC922-B0C3-4DD3-B3BC-4D97CE5C79C7}" type="slidenum">
+            <a:fld id="{E7581F9D-DEF6-4EF6-B749-7F21901EBC85}" type="slidenum">
               <a:rPr b="0" lang="en-US" sz="1300" spc="-1" strike="noStrike">
                 <a:solidFill>
                   <a:srgbClr val="a7d86d"/>
@@ -39044,6 +39992,33 @@
       </p:sp>
     </p:spTree>
   </p:cSld>
+  <p:timing>
+    <p:tnLst>
+      <p:par>
+        <p:cTn id="3" dur="indefinite" restart="never" nodeType="tmRoot">
+          <p:childTnLst>
+            <p:seq>
+              <p:cTn id="4" dur="indefinite" nodeType="mainSeq"/>
+              <p:prevCondLst>
+                <p:cond delay="0" evt="onPrev">
+                  <p:tgtEl>
+                    <p:sldTgt/>
+                  </p:tgtEl>
+                </p:cond>
+              </p:prevCondLst>
+              <p:nextCondLst>
+                <p:cond delay="0" evt="onNext">
+                  <p:tgtEl>
+                    <p:sldTgt/>
+                  </p:tgtEl>
+                </p:cond>
+              </p:nextCondLst>
+            </p:seq>
+          </p:childTnLst>
+        </p:cTn>
+      </p:par>
+    </p:tnLst>
+  </p:timing>
 </p:sld>
 </file>
 
@@ -39155,6 +40130,33 @@
       </p:sp>
     </p:spTree>
   </p:cSld>
+  <p:timing>
+    <p:tnLst>
+      <p:par>
+        <p:cTn id="5" dur="indefinite" restart="never" nodeType="tmRoot">
+          <p:childTnLst>
+            <p:seq>
+              <p:cTn id="6" dur="indefinite" nodeType="mainSeq"/>
+              <p:prevCondLst>
+                <p:cond delay="0" evt="onPrev">
+                  <p:tgtEl>
+                    <p:sldTgt/>
+                  </p:tgtEl>
+                </p:cond>
+              </p:prevCondLst>
+              <p:nextCondLst>
+                <p:cond delay="0" evt="onNext">
+                  <p:tgtEl>
+                    <p:sldTgt/>
+                  </p:tgtEl>
+                </p:cond>
+              </p:nextCondLst>
+            </p:seq>
+          </p:childTnLst>
+        </p:cTn>
+      </p:par>
+    </p:tnLst>
+  </p:timing>
 </p:sld>
 </file>
 
@@ -39762,7 +40764,7 @@
                 <a:spcPct val="100000"/>
               </a:lnSpc>
             </a:pPr>
-            <a:fld id="{74D8414E-6A4D-4F57-88BE-8E08E933A0DB}" type="slidenum">
+            <a:fld id="{13C35308-83D8-4023-AD83-BA690CE6C770}" type="slidenum">
               <a:rPr b="0" lang="en-US" sz="1300" spc="-1" strike="noStrike">
                 <a:solidFill>
                   <a:srgbClr val="a7d86d"/>
@@ -39780,6 +40782,33 @@
       </p:sp>
     </p:spTree>
   </p:cSld>
+  <p:timing>
+    <p:tnLst>
+      <p:par>
+        <p:cTn id="7" dur="indefinite" restart="never" nodeType="tmRoot">
+          <p:childTnLst>
+            <p:seq>
+              <p:cTn id="8" dur="indefinite" nodeType="mainSeq"/>
+              <p:prevCondLst>
+                <p:cond delay="0" evt="onPrev">
+                  <p:tgtEl>
+                    <p:sldTgt/>
+                  </p:tgtEl>
+                </p:cond>
+              </p:prevCondLst>
+              <p:nextCondLst>
+                <p:cond delay="0" evt="onNext">
+                  <p:tgtEl>
+                    <p:sldTgt/>
+                  </p:tgtEl>
+                </p:cond>
+              </p:nextCondLst>
+            </p:seq>
+          </p:childTnLst>
+        </p:cTn>
+      </p:par>
+    </p:tnLst>
+  </p:timing>
 </p:sld>
 </file>
 
@@ -40065,7 +41094,7 @@
                 <a:spcPct val="100000"/>
               </a:lnSpc>
             </a:pPr>
-            <a:fld id="{3785405C-94F2-4F52-99C7-DF36935824E7}" type="slidenum">
+            <a:fld id="{30CE5D99-ED9A-4031-A6BD-9CD7AC8CEDF2}" type="slidenum">
               <a:rPr b="0" lang="en-US" sz="1300" spc="-1" strike="noStrike">
                 <a:solidFill>
                   <a:srgbClr val="a7d86d"/>
@@ -40083,6 +41112,33 @@
       </p:sp>
     </p:spTree>
   </p:cSld>
+  <p:timing>
+    <p:tnLst>
+      <p:par>
+        <p:cTn id="9" dur="indefinite" restart="never" nodeType="tmRoot">
+          <p:childTnLst>
+            <p:seq>
+              <p:cTn id="10" dur="indefinite" nodeType="mainSeq"/>
+              <p:prevCondLst>
+                <p:cond delay="0" evt="onPrev">
+                  <p:tgtEl>
+                    <p:sldTgt/>
+                  </p:tgtEl>
+                </p:cond>
+              </p:prevCondLst>
+              <p:nextCondLst>
+                <p:cond delay="0" evt="onNext">
+                  <p:tgtEl>
+                    <p:sldTgt/>
+                  </p:tgtEl>
+                </p:cond>
+              </p:nextCondLst>
+            </p:seq>
+          </p:childTnLst>
+        </p:cTn>
+      </p:par>
+    </p:tnLst>
+  </p:timing>
 </p:sld>
 </file>
 
@@ -40235,7 +41291,7 @@
                 <a:spcPct val="100000"/>
               </a:lnSpc>
             </a:pPr>
-            <a:fld id="{A1431DD7-0BD7-4D65-A313-8F8583045726}" type="slidenum">
+            <a:fld id="{7D67714F-FD7D-49A6-937F-7FDF2E29E940}" type="slidenum">
               <a:rPr b="0" lang="en-US" sz="1300" spc="-1" strike="noStrike">
                 <a:solidFill>
                   <a:srgbClr val="a7d86d"/>
@@ -40253,6 +41309,33 @@
       </p:sp>
     </p:spTree>
   </p:cSld>
+  <p:timing>
+    <p:tnLst>
+      <p:par>
+        <p:cTn id="11" dur="indefinite" restart="never" nodeType="tmRoot">
+          <p:childTnLst>
+            <p:seq>
+              <p:cTn id="12" dur="indefinite" nodeType="mainSeq"/>
+              <p:prevCondLst>
+                <p:cond delay="0" evt="onPrev">
+                  <p:tgtEl>
+                    <p:sldTgt/>
+                  </p:tgtEl>
+                </p:cond>
+              </p:prevCondLst>
+              <p:nextCondLst>
+                <p:cond delay="0" evt="onNext">
+                  <p:tgtEl>
+                    <p:sldTgt/>
+                  </p:tgtEl>
+                </p:cond>
+              </p:nextCondLst>
+            </p:seq>
+          </p:childTnLst>
+        </p:cTn>
+      </p:par>
+    </p:tnLst>
+  </p:timing>
 </p:sld>
 </file>
 
@@ -40757,7 +41840,7 @@
                 <a:spcPct val="100000"/>
               </a:lnSpc>
             </a:pPr>
-            <a:fld id="{C75B0B8F-3C7D-4CAB-B392-089BD28D8E6D}" type="slidenum">
+            <a:fld id="{F0678011-A118-4EBA-9B33-3C1051CA49B9}" type="slidenum">
               <a:rPr b="0" lang="en-US" sz="1300" spc="-1" strike="noStrike">
                 <a:solidFill>
                   <a:srgbClr val="a7d86d"/>
@@ -40894,6 +41977,33 @@
       </p:pic>
     </p:spTree>
   </p:cSld>
+  <p:timing>
+    <p:tnLst>
+      <p:par>
+        <p:cTn id="13" dur="indefinite" restart="never" nodeType="tmRoot">
+          <p:childTnLst>
+            <p:seq>
+              <p:cTn id="14" dur="indefinite" nodeType="mainSeq"/>
+              <p:prevCondLst>
+                <p:cond delay="0" evt="onPrev">
+                  <p:tgtEl>
+                    <p:sldTgt/>
+                  </p:tgtEl>
+                </p:cond>
+              </p:prevCondLst>
+              <p:nextCondLst>
+                <p:cond delay="0" evt="onNext">
+                  <p:tgtEl>
+                    <p:sldTgt/>
+                  </p:tgtEl>
+                </p:cond>
+              </p:nextCondLst>
+            </p:seq>
+          </p:childTnLst>
+        </p:cTn>
+      </p:par>
+    </p:tnLst>
+  </p:timing>
 </p:sld>
 </file>
 
@@ -40922,8 +42032,8 @@
         </p:nvSpPr>
         <p:spPr>
           <a:xfrm>
-            <a:off x="457200" y="2082240"/>
-            <a:ext cx="2392200" cy="2766960"/>
+            <a:off x="255960" y="1622160"/>
+            <a:ext cx="6035040" cy="2766960"/>
           </a:xfrm>
           <a:prstGeom prst="rect">
             <a:avLst/>
@@ -40944,17 +42054,7 @@
                 <a:spcPts val="601"/>
               </a:spcBef>
             </a:pPr>
-            <a:r>
-              <a:rPr b="1" lang="en-US" sz="1600" spc="-1" strike="noStrike">
-                <a:solidFill>
-                  <a:srgbClr val="65617d"/>
-                </a:solidFill>
-                <a:latin typeface="Muli Light"/>
-                <a:ea typeface="Muli Light"/>
-              </a:rPr>
-              <a:t>Model</a:t>
-            </a:r>
-            <a:endParaRPr b="0" lang="en-US" sz="1600" spc="-1" strike="noStrike">
+            <a:endParaRPr b="0" lang="en-US" sz="1400" spc="-1" strike="noStrike">
               <a:solidFill>
                 <a:srgbClr val="000000"/>
               </a:solidFill>
@@ -40984,7 +42084,7 @@
                 <a:latin typeface="Muli Light"/>
                 <a:ea typeface="Muli Light"/>
               </a:rPr>
-              <a:t>Tools</a:t>
+              <a:t>Tools &gt; nama_tools, id</a:t>
             </a:r>
             <a:endParaRPr b="0" lang="en-US" sz="1600" spc="-1" strike="noStrike">
               <a:solidFill>
@@ -41016,7 +42116,7 @@
                 <a:latin typeface="Muli Light"/>
                 <a:ea typeface="Muli Light"/>
               </a:rPr>
-              <a:t>Arttype </a:t>
+              <a:t>Arttype &gt; type, id_type, icon, tools(FK Tools)</a:t>
             </a:r>
             <a:endParaRPr b="0" lang="en-US" sz="1600" spc="-1" strike="noStrike">
               <a:solidFill>
@@ -41048,7 +42148,7 @@
                 <a:latin typeface="Muli Light"/>
                 <a:ea typeface="Muli Light"/>
               </a:rPr>
-              <a:t>Koleksi </a:t>
+              <a:t>Koleksi &gt; nama, gambar, type(FK Arttype, FK User)</a:t>
             </a:r>
             <a:endParaRPr b="0" lang="en-US" sz="1600" spc="-1" strike="noStrike">
               <a:solidFill>
@@ -41080,7 +42180,7 @@
                 <a:latin typeface="Muli Light"/>
                 <a:ea typeface="Muli Light"/>
               </a:rPr>
-              <a:t>Signup</a:t>
+              <a:t>User &gt; id, nama, first_name, last_name, password, confirm_password, country, address</a:t>
             </a:r>
             <a:endParaRPr b="0" lang="en-US" sz="1600" spc="-1" strike="noStrike">
               <a:solidFill>
@@ -41164,7 +42264,7 @@
                 <a:spcPct val="100000"/>
               </a:lnSpc>
             </a:pPr>
-            <a:fld id="{68EB7C66-863B-458C-9916-638D4E74EBFD}" type="slidenum">
+            <a:fld id="{951E4B0E-EE14-4349-95F8-AB43FB57B41E}" type="slidenum">
               <a:rPr b="0" lang="en-US" sz="1300" spc="-1" strike="noStrike">
                 <a:solidFill>
                   <a:srgbClr val="a7d86d"/>
@@ -41182,6 +42282,33 @@
       </p:sp>
     </p:spTree>
   </p:cSld>
+  <p:timing>
+    <p:tnLst>
+      <p:par>
+        <p:cTn id="15" dur="indefinite" restart="never" nodeType="tmRoot">
+          <p:childTnLst>
+            <p:seq>
+              <p:cTn id="16" dur="indefinite" nodeType="mainSeq"/>
+              <p:prevCondLst>
+                <p:cond delay="0" evt="onPrev">
+                  <p:tgtEl>
+                    <p:sldTgt/>
+                  </p:tgtEl>
+                </p:cond>
+              </p:prevCondLst>
+              <p:nextCondLst>
+                <p:cond delay="0" evt="onNext">
+                  <p:tgtEl>
+                    <p:sldTgt/>
+                  </p:tgtEl>
+                </p:cond>
+              </p:nextCondLst>
+            </p:seq>
+          </p:childTnLst>
+        </p:cTn>
+      </p:par>
+    </p:tnLst>
+  </p:timing>
 </p:sld>
 </file>
 
@@ -41262,7 +42389,7 @@
                 <a:spcPct val="100000"/>
               </a:lnSpc>
             </a:pPr>
-            <a:fld id="{5BBBEDCF-EEEF-4496-AED8-56252DBF4767}" type="slidenum">
+            <a:fld id="{7B3965CF-D186-469B-B6E4-DBE8B3F9C11A}" type="slidenum">
               <a:rPr b="0" lang="en-US" sz="1300" spc="-1" strike="noStrike">
                 <a:solidFill>
                   <a:srgbClr val="a7d86d"/>
@@ -42019,6 +43146,33 @@
       </p:pic>
     </p:spTree>
   </p:cSld>
+  <p:timing>
+    <p:tnLst>
+      <p:par>
+        <p:cTn id="17" dur="indefinite" restart="never" nodeType="tmRoot">
+          <p:childTnLst>
+            <p:seq>
+              <p:cTn id="18" dur="indefinite" nodeType="mainSeq"/>
+              <p:prevCondLst>
+                <p:cond delay="0" evt="onPrev">
+                  <p:tgtEl>
+                    <p:sldTgt/>
+                  </p:tgtEl>
+                </p:cond>
+              </p:prevCondLst>
+              <p:nextCondLst>
+                <p:cond delay="0" evt="onNext">
+                  <p:tgtEl>
+                    <p:sldTgt/>
+                  </p:tgtEl>
+                </p:cond>
+              </p:nextCondLst>
+            </p:seq>
+          </p:childTnLst>
+        </p:cTn>
+      </p:par>
+    </p:tnLst>
+  </p:timing>
 </p:sld>
 </file>
 
@@ -42033,34 +43187,34 @@
         <a:sysClr val="window" lastClr="FFFFFF"/>
       </a:lt1>
       <a:dk2>
-        <a:srgbClr val="1f497d"/>
+        <a:srgbClr val="666666"/>
       </a:dk2>
       <a:lt2>
-        <a:srgbClr val="eeece1"/>
+        <a:srgbClr val="cccccc"/>
       </a:lt2>
       <a:accent1>
-        <a:srgbClr val="4f81bd"/>
+        <a:srgbClr val="3a81ba"/>
       </a:accent1>
       <a:accent2>
-        <a:srgbClr val="c0504d"/>
+        <a:srgbClr val="d89f39"/>
       </a:accent2>
       <a:accent3>
-        <a:srgbClr val="9bbb59"/>
+        <a:srgbClr val="8bab42"/>
       </a:accent3>
       <a:accent4>
-        <a:srgbClr val="8064a2"/>
+        <a:srgbClr val="57a7b5"/>
       </a:accent4>
       <a:accent5>
-        <a:srgbClr val="4bacc6"/>
+        <a:srgbClr val="8b81d2"/>
       </a:accent5>
       <a:accent6>
-        <a:srgbClr val="f79646"/>
+        <a:srgbClr val="963334"/>
       </a:accent6>
       <a:hlink>
-        <a:srgbClr val="0000ff"/>
+        <a:srgbClr val="1155cc"/>
       </a:hlink>
       <a:folHlink>
-        <a:srgbClr val="800080"/>
+        <a:srgbClr val="6611cc"/>
       </a:folHlink>
     </a:clrScheme>
     <a:fontScheme name="Office">
@@ -42256,34 +43410,34 @@
         <a:sysClr val="window" lastClr="FFFFFF"/>
       </a:lt1>
       <a:dk2>
-        <a:srgbClr val="1f497d"/>
+        <a:srgbClr val="666666"/>
       </a:dk2>
       <a:lt2>
-        <a:srgbClr val="eeece1"/>
+        <a:srgbClr val="cccccc"/>
       </a:lt2>
       <a:accent1>
-        <a:srgbClr val="4f81bd"/>
+        <a:srgbClr val="3a81ba"/>
       </a:accent1>
       <a:accent2>
-        <a:srgbClr val="c0504d"/>
+        <a:srgbClr val="d89f39"/>
       </a:accent2>
       <a:accent3>
-        <a:srgbClr val="9bbb59"/>
+        <a:srgbClr val="8bab42"/>
       </a:accent3>
       <a:accent4>
-        <a:srgbClr val="8064a2"/>
+        <a:srgbClr val="57a7b5"/>
       </a:accent4>
       <a:accent5>
-        <a:srgbClr val="4bacc6"/>
+        <a:srgbClr val="8b81d2"/>
       </a:accent5>
       <a:accent6>
-        <a:srgbClr val="f79646"/>
+        <a:srgbClr val="963334"/>
       </a:accent6>
       <a:hlink>
-        <a:srgbClr val="0000ff"/>
+        <a:srgbClr val="1155cc"/>
       </a:hlink>
       <a:folHlink>
-        <a:srgbClr val="800080"/>
+        <a:srgbClr val="6611cc"/>
       </a:folHlink>
     </a:clrScheme>
     <a:fontScheme name="Office">
@@ -42479,34 +43633,34 @@
         <a:sysClr val="window" lastClr="FFFFFF"/>
       </a:lt1>
       <a:dk2>
-        <a:srgbClr val="1f497d"/>
+        <a:srgbClr val="666666"/>
       </a:dk2>
       <a:lt2>
-        <a:srgbClr val="eeece1"/>
+        <a:srgbClr val="cccccc"/>
       </a:lt2>
       <a:accent1>
-        <a:srgbClr val="4f81bd"/>
+        <a:srgbClr val="3a81ba"/>
       </a:accent1>
       <a:accent2>
-        <a:srgbClr val="c0504d"/>
+        <a:srgbClr val="d89f39"/>
       </a:accent2>
       <a:accent3>
-        <a:srgbClr val="9bbb59"/>
+        <a:srgbClr val="8bab42"/>
       </a:accent3>
       <a:accent4>
-        <a:srgbClr val="8064a2"/>
+        <a:srgbClr val="57a7b5"/>
       </a:accent4>
       <a:accent5>
-        <a:srgbClr val="4bacc6"/>
+        <a:srgbClr val="8b81d2"/>
       </a:accent5>
       <a:accent6>
-        <a:srgbClr val="f79646"/>
+        <a:srgbClr val="963334"/>
       </a:accent6>
       <a:hlink>
-        <a:srgbClr val="0000ff"/>
+        <a:srgbClr val="1155cc"/>
       </a:hlink>
       <a:folHlink>
-        <a:srgbClr val="800080"/>
+        <a:srgbClr val="6611cc"/>
       </a:folHlink>
     </a:clrScheme>
     <a:fontScheme name="Office">
@@ -42702,34 +43856,34 @@
         <a:sysClr val="window" lastClr="FFFFFF"/>
       </a:lt1>
       <a:dk2>
-        <a:srgbClr val="1f497d"/>
+        <a:srgbClr val="666666"/>
       </a:dk2>
       <a:lt2>
-        <a:srgbClr val="eeece1"/>
+        <a:srgbClr val="cccccc"/>
       </a:lt2>
       <a:accent1>
-        <a:srgbClr val="4f81bd"/>
+        <a:srgbClr val="3a81ba"/>
       </a:accent1>
       <a:accent2>
-        <a:srgbClr val="c0504d"/>
+        <a:srgbClr val="d89f39"/>
       </a:accent2>
       <a:accent3>
-        <a:srgbClr val="9bbb59"/>
+        <a:srgbClr val="8bab42"/>
       </a:accent3>
       <a:accent4>
-        <a:srgbClr val="8064a2"/>
+        <a:srgbClr val="57a7b5"/>
       </a:accent4>
       <a:accent5>
-        <a:srgbClr val="4bacc6"/>
+        <a:srgbClr val="8b81d2"/>
       </a:accent5>
       <a:accent6>
-        <a:srgbClr val="f79646"/>
+        <a:srgbClr val="963334"/>
       </a:accent6>
       <a:hlink>
-        <a:srgbClr val="0000ff"/>
+        <a:srgbClr val="1155cc"/>
       </a:hlink>
       <a:folHlink>
-        <a:srgbClr val="800080"/>
+        <a:srgbClr val="6611cc"/>
       </a:folHlink>
     </a:clrScheme>
     <a:fontScheme name="Office">
@@ -42925,34 +44079,34 @@
         <a:sysClr val="window" lastClr="FFFFFF"/>
       </a:lt1>
       <a:dk2>
-        <a:srgbClr val="1f497d"/>
+        <a:srgbClr val="666666"/>
       </a:dk2>
       <a:lt2>
-        <a:srgbClr val="eeece1"/>
+        <a:srgbClr val="cccccc"/>
       </a:lt2>
       <a:accent1>
-        <a:srgbClr val="4f81bd"/>
+        <a:srgbClr val="3a81ba"/>
       </a:accent1>
       <a:accent2>
-        <a:srgbClr val="c0504d"/>
+        <a:srgbClr val="d89f39"/>
       </a:accent2>
       <a:accent3>
-        <a:srgbClr val="9bbb59"/>
+        <a:srgbClr val="8bab42"/>
       </a:accent3>
       <a:accent4>
-        <a:srgbClr val="8064a2"/>
+        <a:srgbClr val="57a7b5"/>
       </a:accent4>
       <a:accent5>
-        <a:srgbClr val="4bacc6"/>
+        <a:srgbClr val="8b81d2"/>
       </a:accent5>
       <a:accent6>
-        <a:srgbClr val="f79646"/>
+        <a:srgbClr val="963334"/>
       </a:accent6>
       <a:hlink>
-        <a:srgbClr val="0000ff"/>
+        <a:srgbClr val="1155cc"/>
       </a:hlink>
       <a:folHlink>
-        <a:srgbClr val="800080"/>
+        <a:srgbClr val="6611cc"/>
       </a:folHlink>
     </a:clrScheme>
     <a:fontScheme name="Office">
@@ -43148,34 +44302,34 @@
         <a:sysClr val="window" lastClr="FFFFFF"/>
       </a:lt1>
       <a:dk2>
-        <a:srgbClr val="1f497d"/>
+        <a:srgbClr val="666666"/>
       </a:dk2>
       <a:lt2>
-        <a:srgbClr val="eeece1"/>
+        <a:srgbClr val="cccccc"/>
       </a:lt2>
       <a:accent1>
-        <a:srgbClr val="4f81bd"/>
+        <a:srgbClr val="3a81ba"/>
       </a:accent1>
       <a:accent2>
-        <a:srgbClr val="c0504d"/>
+        <a:srgbClr val="d89f39"/>
       </a:accent2>
       <a:accent3>
-        <a:srgbClr val="9bbb59"/>
+        <a:srgbClr val="8bab42"/>
       </a:accent3>
       <a:accent4>
-        <a:srgbClr val="8064a2"/>
+        <a:srgbClr val="57a7b5"/>
       </a:accent4>
       <a:accent5>
-        <a:srgbClr val="4bacc6"/>
+        <a:srgbClr val="8b81d2"/>
       </a:accent5>
       <a:accent6>
-        <a:srgbClr val="f79646"/>
+        <a:srgbClr val="963334"/>
       </a:accent6>
       <a:hlink>
-        <a:srgbClr val="0000ff"/>
+        <a:srgbClr val="1155cc"/>
       </a:hlink>
       <a:folHlink>
-        <a:srgbClr val="800080"/>
+        <a:srgbClr val="6611cc"/>
       </a:folHlink>
     </a:clrScheme>
     <a:fontScheme name="Office">
@@ -43371,34 +44525,34 @@
         <a:sysClr val="window" lastClr="FFFFFF"/>
       </a:lt1>
       <a:dk2>
-        <a:srgbClr val="1f497d"/>
+        <a:srgbClr val="666666"/>
       </a:dk2>
       <a:lt2>
-        <a:srgbClr val="eeece1"/>
+        <a:srgbClr val="cccccc"/>
       </a:lt2>
       <a:accent1>
-        <a:srgbClr val="4f81bd"/>
+        <a:srgbClr val="3a81ba"/>
       </a:accent1>
       <a:accent2>
-        <a:srgbClr val="c0504d"/>
+        <a:srgbClr val="d89f39"/>
       </a:accent2>
       <a:accent3>
-        <a:srgbClr val="9bbb59"/>
+        <a:srgbClr val="8bab42"/>
       </a:accent3>
       <a:accent4>
-        <a:srgbClr val="8064a2"/>
+        <a:srgbClr val="57a7b5"/>
       </a:accent4>
       <a:accent5>
-        <a:srgbClr val="4bacc6"/>
+        <a:srgbClr val="8b81d2"/>
       </a:accent5>
       <a:accent6>
-        <a:srgbClr val="f79646"/>
+        <a:srgbClr val="963334"/>
       </a:accent6>
       <a:hlink>
-        <a:srgbClr val="0000ff"/>
+        <a:srgbClr val="1155cc"/>
       </a:hlink>
       <a:folHlink>
-        <a:srgbClr val="800080"/>
+        <a:srgbClr val="6611cc"/>
       </a:folHlink>
     </a:clrScheme>
     <a:fontScheme name="Office">
@@ -43594,34 +44748,34 @@
         <a:sysClr val="window" lastClr="FFFFFF"/>
       </a:lt1>
       <a:dk2>
-        <a:srgbClr val="1f497d"/>
+        <a:srgbClr val="666666"/>
       </a:dk2>
       <a:lt2>
-        <a:srgbClr val="eeece1"/>
+        <a:srgbClr val="cccccc"/>
       </a:lt2>
       <a:accent1>
-        <a:srgbClr val="4f81bd"/>
+        <a:srgbClr val="3a81ba"/>
       </a:accent1>
       <a:accent2>
-        <a:srgbClr val="c0504d"/>
+        <a:srgbClr val="d89f39"/>
       </a:accent2>
       <a:accent3>
-        <a:srgbClr val="9bbb59"/>
+        <a:srgbClr val="8bab42"/>
       </a:accent3>
       <a:accent4>
-        <a:srgbClr val="8064a2"/>
+        <a:srgbClr val="57a7b5"/>
       </a:accent4>
       <a:accent5>
-        <a:srgbClr val="4bacc6"/>
+        <a:srgbClr val="8b81d2"/>
       </a:accent5>
       <a:accent6>
-        <a:srgbClr val="f79646"/>
+        <a:srgbClr val="963334"/>
       </a:accent6>
       <a:hlink>
-        <a:srgbClr val="0000ff"/>
+        <a:srgbClr val="1155cc"/>
       </a:hlink>
       <a:folHlink>
-        <a:srgbClr val="800080"/>
+        <a:srgbClr val="6611cc"/>
       </a:folHlink>
     </a:clrScheme>
     <a:fontScheme name="Office">
@@ -43817,34 +44971,34 @@
         <a:sysClr val="window" lastClr="FFFFFF"/>
       </a:lt1>
       <a:dk2>
-        <a:srgbClr val="1f497d"/>
+        <a:srgbClr val="666666"/>
       </a:dk2>
       <a:lt2>
-        <a:srgbClr val="eeece1"/>
+        <a:srgbClr val="cccccc"/>
       </a:lt2>
       <a:accent1>
-        <a:srgbClr val="4f81bd"/>
+        <a:srgbClr val="3a81ba"/>
       </a:accent1>
       <a:accent2>
-        <a:srgbClr val="c0504d"/>
+        <a:srgbClr val="d89f39"/>
       </a:accent2>
       <a:accent3>
-        <a:srgbClr val="9bbb59"/>
+        <a:srgbClr val="8bab42"/>
       </a:accent3>
       <a:accent4>
-        <a:srgbClr val="8064a2"/>
+        <a:srgbClr val="57a7b5"/>
       </a:accent4>
       <a:accent5>
-        <a:srgbClr val="4bacc6"/>
+        <a:srgbClr val="8b81d2"/>
       </a:accent5>
       <a:accent6>
-        <a:srgbClr val="f79646"/>
+        <a:srgbClr val="963334"/>
       </a:accent6>
       <a:hlink>
-        <a:srgbClr val="0000ff"/>
+        <a:srgbClr val="1155cc"/>
       </a:hlink>
       <a:folHlink>
-        <a:srgbClr val="800080"/>
+        <a:srgbClr val="6611cc"/>
       </a:folHlink>
     </a:clrScheme>
     <a:fontScheme name="Office">
@@ -44040,34 +45194,34 @@
         <a:sysClr val="window" lastClr="FFFFFF"/>
       </a:lt1>
       <a:dk2>
-        <a:srgbClr val="1f497d"/>
+        <a:srgbClr val="666666"/>
       </a:dk2>
       <a:lt2>
-        <a:srgbClr val="eeece1"/>
+        <a:srgbClr val="cccccc"/>
       </a:lt2>
       <a:accent1>
-        <a:srgbClr val="4f81bd"/>
+        <a:srgbClr val="3a81ba"/>
       </a:accent1>
       <a:accent2>
-        <a:srgbClr val="c0504d"/>
+        <a:srgbClr val="d89f39"/>
       </a:accent2>
       <a:accent3>
-        <a:srgbClr val="9bbb59"/>
+        <a:srgbClr val="8bab42"/>
       </a:accent3>
       <a:accent4>
-        <a:srgbClr val="8064a2"/>
+        <a:srgbClr val="57a7b5"/>
       </a:accent4>
       <a:accent5>
-        <a:srgbClr val="4bacc6"/>
+        <a:srgbClr val="8b81d2"/>
       </a:accent5>
       <a:accent6>
-        <a:srgbClr val="f79646"/>
+        <a:srgbClr val="963334"/>
       </a:accent6>
       <a:hlink>
-        <a:srgbClr val="0000ff"/>
+        <a:srgbClr val="1155cc"/>
       </a:hlink>
       <a:folHlink>
-        <a:srgbClr val="800080"/>
+        <a:srgbClr val="6611cc"/>
       </a:folHlink>
     </a:clrScheme>
     <a:fontScheme name="Office">
@@ -44263,34 +45417,34 @@
         <a:sysClr val="window" lastClr="FFFFFF"/>
       </a:lt1>
       <a:dk2>
-        <a:srgbClr val="1f497d"/>
+        <a:srgbClr val="666666"/>
       </a:dk2>
       <a:lt2>
-        <a:srgbClr val="eeece1"/>
+        <a:srgbClr val="cccccc"/>
       </a:lt2>
       <a:accent1>
-        <a:srgbClr val="4f81bd"/>
+        <a:srgbClr val="3a81ba"/>
       </a:accent1>
       <a:accent2>
-        <a:srgbClr val="c0504d"/>
+        <a:srgbClr val="d89f39"/>
       </a:accent2>
       <a:accent3>
-        <a:srgbClr val="9bbb59"/>
+        <a:srgbClr val="8bab42"/>
       </a:accent3>
       <a:accent4>
-        <a:srgbClr val="8064a2"/>
+        <a:srgbClr val="57a7b5"/>
       </a:accent4>
       <a:accent5>
-        <a:srgbClr val="4bacc6"/>
+        <a:srgbClr val="8b81d2"/>
       </a:accent5>
       <a:accent6>
-        <a:srgbClr val="f79646"/>
+        <a:srgbClr val="963334"/>
       </a:accent6>
       <a:hlink>
-        <a:srgbClr val="0000ff"/>
+        <a:srgbClr val="1155cc"/>
       </a:hlink>
       <a:folHlink>
-        <a:srgbClr val="800080"/>
+        <a:srgbClr val="6611cc"/>
       </a:folHlink>
     </a:clrScheme>
     <a:fontScheme name="Office">
@@ -44486,34 +45640,34 @@
         <a:sysClr val="window" lastClr="FFFFFF"/>
       </a:lt1>
       <a:dk2>
-        <a:srgbClr val="1f497d"/>
+        <a:srgbClr val="666666"/>
       </a:dk2>
       <a:lt2>
-        <a:srgbClr val="eeece1"/>
+        <a:srgbClr val="cccccc"/>
       </a:lt2>
       <a:accent1>
-        <a:srgbClr val="4f81bd"/>
+        <a:srgbClr val="3a81ba"/>
       </a:accent1>
       <a:accent2>
-        <a:srgbClr val="c0504d"/>
+        <a:srgbClr val="d89f39"/>
       </a:accent2>
       <a:accent3>
-        <a:srgbClr val="9bbb59"/>
+        <a:srgbClr val="8bab42"/>
       </a:accent3>
       <a:accent4>
-        <a:srgbClr val="8064a2"/>
+        <a:srgbClr val="57a7b5"/>
       </a:accent4>
       <a:accent5>
-        <a:srgbClr val="4bacc6"/>
+        <a:srgbClr val="8b81d2"/>
       </a:accent5>
       <a:accent6>
-        <a:srgbClr val="f79646"/>
+        <a:srgbClr val="963334"/>
       </a:accent6>
       <a:hlink>
-        <a:srgbClr val="0000ff"/>
+        <a:srgbClr val="1155cc"/>
       </a:hlink>
       <a:folHlink>
-        <a:srgbClr val="800080"/>
+        <a:srgbClr val="6611cc"/>
       </a:folHlink>
     </a:clrScheme>
     <a:fontScheme name="Office">
@@ -44709,34 +45863,34 @@
         <a:sysClr val="window" lastClr="FFFFFF"/>
       </a:lt1>
       <a:dk2>
-        <a:srgbClr val="1f497d"/>
+        <a:srgbClr val="666666"/>
       </a:dk2>
       <a:lt2>
-        <a:srgbClr val="eeece1"/>
+        <a:srgbClr val="cccccc"/>
       </a:lt2>
       <a:accent1>
-        <a:srgbClr val="4f81bd"/>
+        <a:srgbClr val="3a81ba"/>
       </a:accent1>
       <a:accent2>
-        <a:srgbClr val="c0504d"/>
+        <a:srgbClr val="d89f39"/>
       </a:accent2>
       <a:accent3>
-        <a:srgbClr val="9bbb59"/>
+        <a:srgbClr val="8bab42"/>
       </a:accent3>
       <a:accent4>
-        <a:srgbClr val="8064a2"/>
+        <a:srgbClr val="57a7b5"/>
       </a:accent4>
       <a:accent5>
-        <a:srgbClr val="4bacc6"/>
+        <a:srgbClr val="8b81d2"/>
       </a:accent5>
       <a:accent6>
-        <a:srgbClr val="f79646"/>
+        <a:srgbClr val="963334"/>
       </a:accent6>
       <a:hlink>
-        <a:srgbClr val="0000ff"/>
+        <a:srgbClr val="1155cc"/>
       </a:hlink>
       <a:folHlink>
-        <a:srgbClr val="800080"/>
+        <a:srgbClr val="6611cc"/>
       </a:folHlink>
     </a:clrScheme>
     <a:fontScheme name="Office">
